--- a/Capstone_Project_Jean_Franco_Chosson.pptx
+++ b/Capstone_Project_Jean_Franco_Chosson.pptx
@@ -5,7 +5,7 @@
     <p:sldMasterId id="2147483660" r:id="rId1"/>
   </p:sldMasterIdLst>
   <p:notesMasterIdLst>
-    <p:notesMasterId r:id="rId27"/>
+    <p:notesMasterId r:id="rId32"/>
   </p:notesMasterIdLst>
   <p:sldIdLst>
     <p:sldId id="256" r:id="rId2"/>
@@ -20,40 +20,45 @@
     <p:sldId id="276" r:id="rId11"/>
     <p:sldId id="265" r:id="rId12"/>
     <p:sldId id="277" r:id="rId13"/>
-    <p:sldId id="278" r:id="rId14"/>
-    <p:sldId id="267" r:id="rId15"/>
-    <p:sldId id="268" r:id="rId16"/>
-    <p:sldId id="281" r:id="rId17"/>
-    <p:sldId id="280" r:id="rId18"/>
-    <p:sldId id="279" r:id="rId19"/>
-    <p:sldId id="270" r:id="rId20"/>
-    <p:sldId id="269" r:id="rId21"/>
-    <p:sldId id="271" r:id="rId22"/>
-    <p:sldId id="273" r:id="rId23"/>
-    <p:sldId id="272" r:id="rId24"/>
-    <p:sldId id="260" r:id="rId25"/>
-    <p:sldId id="261" r:id="rId26"/>
+    <p:sldId id="284" r:id="rId14"/>
+    <p:sldId id="278" r:id="rId15"/>
+    <p:sldId id="267" r:id="rId16"/>
+    <p:sldId id="268" r:id="rId17"/>
+    <p:sldId id="281" r:id="rId18"/>
+    <p:sldId id="280" r:id="rId19"/>
+    <p:sldId id="285" r:id="rId20"/>
+    <p:sldId id="279" r:id="rId21"/>
+    <p:sldId id="270" r:id="rId22"/>
+    <p:sldId id="269" r:id="rId23"/>
+    <p:sldId id="273" r:id="rId24"/>
+    <p:sldId id="287" r:id="rId25"/>
+    <p:sldId id="288" r:id="rId26"/>
+    <p:sldId id="283" r:id="rId27"/>
+    <p:sldId id="286" r:id="rId28"/>
+    <p:sldId id="272" r:id="rId29"/>
+    <p:sldId id="260" r:id="rId30"/>
+    <p:sldId id="261" r:id="rId31"/>
   </p:sldIdLst>
   <p:sldSz cx="9144000" cy="5143500" type="screen16x9"/>
   <p:notesSz cx="6858000" cy="9144000"/>
   <p:embeddedFontLst>
     <p:embeddedFont>
-      <p:font typeface="Raleway" panose="020B0604020202020204" charset="0"/>
-      <p:regular r:id="rId28"/>
-      <p:bold r:id="rId29"/>
-      <p:italic r:id="rId30"/>
-      <p:boldItalic r:id="rId31"/>
+      <p:font typeface="Cutive" panose="020B0604020202020204" charset="0"/>
+      <p:regular r:id="rId33"/>
     </p:embeddedFont>
     <p:embeddedFont>
-      <p:font typeface="Cutive" panose="020B0604020202020204" charset="0"/>
-      <p:regular r:id="rId32"/>
+      <p:font typeface="Raleway" panose="020B0604020202020204" charset="0"/>
+      <p:regular r:id="rId34"/>
+      <p:bold r:id="rId35"/>
+      <p:italic r:id="rId36"/>
+      <p:boldItalic r:id="rId37"/>
     </p:embeddedFont>
     <p:embeddedFont>
       <p:font typeface="Lato" panose="020B0604020202020204" charset="0"/>
-      <p:regular r:id="rId33"/>
-      <p:bold r:id="rId34"/>
-      <p:italic r:id="rId35"/>
-      <p:boldItalic r:id="rId36"/>
+      <p:regular r:id="rId38"/>
+      <p:bold r:id="rId39"/>
+      <p:italic r:id="rId40"/>
+      <p:boldItalic r:id="rId41"/>
     </p:embeddedFont>
   </p:embeddedFontLst>
   <p:defaultTextStyle>
@@ -9454,31 +9459,15 @@
             </a:pPr>
             <a:r>
               <a:rPr lang="en-US" dirty="0" smtClean="0"/>
-              <a:t>Profile</a:t>
-            </a:r>
-            <a:r>
-              <a:rPr lang="en-US" dirty="0"/>
-              <a:t> </a:t>
-            </a:r>
-            <a:r>
-              <a:rPr lang="en-US" dirty="0" smtClean="0"/>
-              <a:t>1</a:t>
-            </a:r>
-          </a:p>
-          <a:p>
-            <a:pPr marL="146050" indent="0">
-              <a:buNone/>
-            </a:pPr>
-            <a:r>
-              <a:rPr lang="en-US" dirty="0" smtClean="0"/>
-              <a:t>Repartition of the skills</a:t>
-            </a:r>
+              <a:t>Group Profile 1, we can see that most of the profile have skills related to leadership &amp; management and technical &amp; information skills, respectively 324 and 318.</a:t>
+            </a:r>
+            <a:endParaRPr lang="en-US" dirty="0" smtClean="0"/>
           </a:p>
         </p:txBody>
       </p:sp>
       <p:pic>
         <p:nvPicPr>
-          <p:cNvPr id="4" name="Picture 3"/>
+          <p:cNvPr id="5" name="Picture 4"/>
           <p:cNvPicPr>
             <a:picLocks noChangeAspect="1"/>
           </p:cNvPicPr>
@@ -9498,8 +9487,8 @@
         </p:blipFill>
         <p:spPr>
           <a:xfrm>
-            <a:off x="2148208" y="1052850"/>
-            <a:ext cx="6870023" cy="3664013"/>
+            <a:off x="2453754" y="1207896"/>
+            <a:ext cx="5964396" cy="3513079"/>
           </a:xfrm>
           <a:prstGeom prst="rect">
             <a:avLst/>
@@ -9584,13 +9573,29 @@
             </a:pPr>
             <a:r>
               <a:rPr lang="en-US" dirty="0" smtClean="0"/>
-              <a:t>Most of the profiles for Profile 1 are leadership &amp; management and technical &amp; information skills respectively 299 and 253 profiles. </a:t>
+              <a:t>The repartition of category of skills </a:t>
+            </a:r>
+            <a:r>
+              <a:rPr lang="en-US" dirty="0" smtClean="0"/>
+              <a:t>in group profile 1, </a:t>
             </a:r>
           </a:p>
           <a:p>
             <a:pPr marL="146050" indent="0">
               <a:buNone/>
             </a:pPr>
+            <a:r>
+              <a:rPr lang="en-US" dirty="0" smtClean="0"/>
+              <a:t>Respectively 39.3% and 38.5% for leadership &amp; management and technical &amp; </a:t>
+            </a:r>
+            <a:r>
+              <a:rPr lang="en-US" dirty="0" err="1" smtClean="0"/>
+              <a:t>informations</a:t>
+            </a:r>
+            <a:r>
+              <a:rPr lang="en-US" dirty="0" smtClean="0"/>
+              <a:t> skills.</a:t>
+            </a:r>
             <a:endParaRPr lang="en-US" dirty="0"/>
           </a:p>
           <a:p>
@@ -9603,7 +9608,7 @@
       </p:sp>
       <p:pic>
         <p:nvPicPr>
-          <p:cNvPr id="7" name="Picture 6"/>
+          <p:cNvPr id="4" name="Picture 3"/>
           <p:cNvPicPr>
             <a:picLocks noChangeAspect="1"/>
           </p:cNvPicPr>
@@ -9623,8 +9628,8 @@
         </p:blipFill>
         <p:spPr>
           <a:xfrm>
-            <a:off x="2583164" y="785250"/>
-            <a:ext cx="6560836" cy="3864387"/>
+            <a:off x="2796247" y="1295539"/>
+            <a:ext cx="6245476" cy="3307948"/>
           </a:xfrm>
           <a:prstGeom prst="rect">
             <a:avLst/>
@@ -9696,7 +9701,7 @@
         </p:nvSpPr>
         <p:spPr>
           <a:xfrm>
-            <a:off x="516368" y="1295539"/>
+            <a:off x="79753" y="1231328"/>
             <a:ext cx="1290918" cy="3459341"/>
           </a:xfrm>
         </p:spPr>
@@ -9709,8 +9714,9 @@
             </a:pPr>
             <a:r>
               <a:rPr lang="en-US" dirty="0" smtClean="0"/>
-              <a:t>Repartition of the skills in Profile 1</a:t>
-            </a:r>
+              <a:t>Group profile 2, all those profiles are related to business administration and are more likely to have a Bachelor (58.3%), or a master (22.9%)..</a:t>
+            </a:r>
+            <a:endParaRPr lang="en-US" dirty="0" smtClean="0"/>
           </a:p>
           <a:p>
             <a:pPr marL="146050" indent="0">
@@ -9728,7 +9734,7 @@
       </p:sp>
       <p:pic>
         <p:nvPicPr>
-          <p:cNvPr id="4" name="Picture 3"/>
+          <p:cNvPr id="5" name="Picture 4"/>
           <p:cNvPicPr>
             <a:picLocks noChangeAspect="1"/>
           </p:cNvPicPr>
@@ -9748,8 +9754,38 @@
         </p:blipFill>
         <p:spPr>
           <a:xfrm>
-            <a:off x="2065646" y="946016"/>
-            <a:ext cx="6870023" cy="3638743"/>
+            <a:off x="7073428" y="562925"/>
+            <a:ext cx="2070572" cy="4191955"/>
+          </a:xfrm>
+          <a:prstGeom prst="rect">
+            <a:avLst/>
+          </a:prstGeom>
+        </p:spPr>
+      </p:pic>
+      <p:pic>
+        <p:nvPicPr>
+          <p:cNvPr id="6" name="Picture 5"/>
+          <p:cNvPicPr>
+            <a:picLocks noChangeAspect="1"/>
+          </p:cNvPicPr>
+          <p:nvPr/>
+        </p:nvPicPr>
+        <p:blipFill>
+          <a:blip r:embed="rId3">
+            <a:extLst>
+              <a:ext uri="{28A0092B-C50C-407E-A947-70E740481C1C}">
+                <a14:useLocalDpi xmlns:a14="http://schemas.microsoft.com/office/drawing/2010/main" val="0"/>
+              </a:ext>
+            </a:extLst>
+          </a:blip>
+          <a:stretch>
+            <a:fillRect/>
+          </a:stretch>
+        </p:blipFill>
+        <p:spPr>
+          <a:xfrm>
+            <a:off x="1451062" y="1359748"/>
+            <a:ext cx="6245475" cy="3330921"/>
           </a:xfrm>
           <a:prstGeom prst="rect">
             <a:avLst/>
@@ -9821,8 +9857,8 @@
         </p:nvSpPr>
         <p:spPr>
           <a:xfrm>
-            <a:off x="75305" y="1295539"/>
-            <a:ext cx="1731982" cy="3459341"/>
+            <a:off x="79752" y="1506071"/>
+            <a:ext cx="1867382" cy="3184598"/>
           </a:xfrm>
         </p:spPr>
         <p:txBody>
@@ -9833,26 +9869,16 @@
               <a:buNone/>
             </a:pPr>
             <a:r>
-              <a:rPr lang="en-US" b="1" dirty="0" smtClean="0"/>
-              <a:t>Profile 2</a:t>
-            </a:r>
-          </a:p>
-          <a:p>
-            <a:pPr marL="146050" indent="0">
-              <a:buNone/>
-            </a:pPr>
-            <a:r>
               <a:rPr lang="en-US" dirty="0" smtClean="0"/>
-              <a:t>All the profiles are categorized in social sciences, 163 of them have skills categorized leadership &amp; Management</a:t>
-            </a:r>
-          </a:p>
-          <a:p>
-            <a:pPr marL="146050" indent="0">
-              <a:buNone/>
-            </a:pPr>
+              <a:t>Group profile 2, all those profiles are more likely to have skills related to leadership &amp; management granted 273, or a technical &amp; </a:t>
+            </a:r>
+            <a:r>
+              <a:rPr lang="en-US" dirty="0" err="1" smtClean="0"/>
+              <a:t>informations</a:t>
+            </a:r>
             <a:r>
               <a:rPr lang="en-US" dirty="0" smtClean="0"/>
-              <a:t>And 121 profiles have skills categorized technical &amp; information skills.</a:t>
+              <a:t> skills granted 171.</a:t>
             </a:r>
             <a:endParaRPr lang="en-US" dirty="0"/>
           </a:p>
@@ -9866,7 +9892,7 @@
       </p:sp>
       <p:pic>
         <p:nvPicPr>
-          <p:cNvPr id="5" name="Picture 4"/>
+          <p:cNvPr id="9" name="Picture 8"/>
           <p:cNvPicPr>
             <a:picLocks noChangeAspect="1"/>
           </p:cNvPicPr>
@@ -9886,38 +9912,8 @@
         </p:blipFill>
         <p:spPr>
           <a:xfrm>
-            <a:off x="6925373" y="562925"/>
-            <a:ext cx="2070572" cy="4191955"/>
-          </a:xfrm>
-          <a:prstGeom prst="rect">
-            <a:avLst/>
-          </a:prstGeom>
-        </p:spPr>
-      </p:pic>
-      <p:pic>
-        <p:nvPicPr>
-          <p:cNvPr id="6" name="Picture 5"/>
-          <p:cNvPicPr>
-            <a:picLocks noChangeAspect="1"/>
-          </p:cNvPicPr>
-          <p:nvPr/>
-        </p:nvPicPr>
-        <p:blipFill>
-          <a:blip r:embed="rId3">
-            <a:extLst>
-              <a:ext uri="{28A0092B-C50C-407E-A947-70E740481C1C}">
-                <a14:useLocalDpi xmlns:a14="http://schemas.microsoft.com/office/drawing/2010/main" val="0"/>
-              </a:ext>
-            </a:extLst>
-          </a:blip>
-          <a:stretch>
-            <a:fillRect/>
-          </a:stretch>
-        </p:blipFill>
-        <p:spPr>
-          <a:xfrm>
-            <a:off x="1859471" y="1295539"/>
-            <a:ext cx="5165273" cy="3193708"/>
+            <a:off x="2388861" y="785250"/>
+            <a:ext cx="6560836" cy="3864387"/>
           </a:xfrm>
           <a:prstGeom prst="rect">
             <a:avLst/>
@@ -9927,7 +9923,7 @@
     </p:spTree>
     <p:extLst>
       <p:ext uri="{BB962C8B-B14F-4D97-AF65-F5344CB8AC3E}">
-        <p14:creationId xmlns:p14="http://schemas.microsoft.com/office/powerpoint/2010/main" val="3589231173"/>
+        <p14:creationId xmlns:p14="http://schemas.microsoft.com/office/powerpoint/2010/main" val="370504171"/>
       </p:ext>
     </p:extLst>
   </p:cSld>
@@ -9989,8 +9985,8 @@
         </p:nvSpPr>
         <p:spPr>
           <a:xfrm>
-            <a:off x="729450" y="1265059"/>
-            <a:ext cx="7688700" cy="533261"/>
+            <a:off x="75305" y="1295539"/>
+            <a:ext cx="1731982" cy="3459341"/>
           </a:xfrm>
         </p:spPr>
         <p:txBody>
@@ -10001,15 +9997,30 @@
               <a:buNone/>
             </a:pPr>
             <a:r>
-              <a:rPr lang="en-US" dirty="0"/>
-              <a:t>f</a:t>
-            </a:r>
+              <a:rPr lang="en-US" b="1" dirty="0" smtClean="0"/>
+              <a:t>Group Profile 2,  most relevant repartition of the categories of skills: 53.6% for leadership &amp; management, 33.6% for technical &amp; </a:t>
+            </a:r>
+            <a:r>
+              <a:rPr lang="en-US" b="1" dirty="0" err="1" smtClean="0"/>
+              <a:t>informations</a:t>
+            </a:r>
+            <a:r>
+              <a:rPr lang="en-US" b="1" dirty="0" smtClean="0"/>
+              <a:t> skills.</a:t>
+            </a:r>
+            <a:endParaRPr lang="en-US" b="1" dirty="0" smtClean="0"/>
+          </a:p>
+          <a:p>
+            <a:pPr marL="146050" indent="0">
+              <a:buNone/>
+            </a:pPr>
+            <a:endParaRPr lang="en-US" dirty="0"/>
           </a:p>
         </p:txBody>
       </p:sp>
       <p:pic>
         <p:nvPicPr>
-          <p:cNvPr id="8" name="Picture 7"/>
+          <p:cNvPr id="7" name="Picture 6"/>
           <p:cNvPicPr>
             <a:picLocks noChangeAspect="1"/>
           </p:cNvPicPr>
@@ -10029,84 +10040,18 @@
         </p:blipFill>
         <p:spPr>
           <a:xfrm>
-            <a:off x="83042" y="1314839"/>
-            <a:ext cx="4490757" cy="3330921"/>
+            <a:off x="2847756" y="1283535"/>
+            <a:ext cx="6245476" cy="3307948"/>
           </a:xfrm>
           <a:prstGeom prst="rect">
             <a:avLst/>
           </a:prstGeom>
         </p:spPr>
       </p:pic>
-      <p:pic>
-        <p:nvPicPr>
-          <p:cNvPr id="4" name="Picture 3"/>
-          <p:cNvPicPr>
-            <a:picLocks noChangeAspect="1"/>
-          </p:cNvPicPr>
-          <p:nvPr/>
-        </p:nvPicPr>
-        <p:blipFill>
-          <a:blip r:embed="rId3">
-            <a:extLst>
-              <a:ext uri="{28A0092B-C50C-407E-A947-70E740481C1C}">
-                <a14:useLocalDpi xmlns:a14="http://schemas.microsoft.com/office/drawing/2010/main" val="0"/>
-              </a:ext>
-            </a:extLst>
-          </a:blip>
-          <a:stretch>
-            <a:fillRect/>
-          </a:stretch>
-        </p:blipFill>
-        <p:spPr>
-          <a:xfrm>
-            <a:off x="4573799" y="1118795"/>
-            <a:ext cx="4570201" cy="3454263"/>
-          </a:xfrm>
-          <a:prstGeom prst="rect">
-            <a:avLst/>
-          </a:prstGeom>
-        </p:spPr>
-      </p:pic>
-      <p:sp>
-        <p:nvSpPr>
-          <p:cNvPr id="5" name="TextBox 4"/>
-          <p:cNvSpPr txBox="1"/>
-          <p:nvPr/>
-        </p:nvSpPr>
-        <p:spPr>
-          <a:xfrm>
-            <a:off x="2947595" y="150607"/>
-            <a:ext cx="6196405" cy="954107"/>
-          </a:xfrm>
-          <a:prstGeom prst="rect">
-            <a:avLst/>
-          </a:prstGeom>
-          <a:noFill/>
-        </p:spPr>
-        <p:txBody>
-          <a:bodyPr wrap="square" rtlCol="0">
-            <a:spAutoFit/>
-          </a:bodyPr>
-          <a:lstStyle/>
-          <a:p>
-            <a:r>
-              <a:rPr lang="en-US" dirty="0" smtClean="0"/>
-              <a:t>Repartition of category of skills and category of field of study in Profile 2</a:t>
-            </a:r>
-          </a:p>
-          <a:p>
-            <a:r>
-              <a:rPr lang="en-US" dirty="0" smtClean="0"/>
-              <a:t>78% of profiles in profile 2 have bachelor degree and have category of skills in leadership &amp; management, technical &amp; information skills and communication, respectively 41%, 30.4% and 13.6%. </a:t>
-            </a:r>
-            <a:endParaRPr lang="en-US" dirty="0"/>
-          </a:p>
-        </p:txBody>
-      </p:sp>
     </p:spTree>
     <p:extLst>
       <p:ext uri="{BB962C8B-B14F-4D97-AF65-F5344CB8AC3E}">
-        <p14:creationId xmlns:p14="http://schemas.microsoft.com/office/powerpoint/2010/main" val="972551949"/>
+        <p14:creationId xmlns:p14="http://schemas.microsoft.com/office/powerpoint/2010/main" val="3589231173"/>
       </p:ext>
     </p:extLst>
   </p:cSld>
@@ -10156,9 +10101,85 @@
           </a:p>
         </p:txBody>
       </p:sp>
+      <p:sp>
+        <p:nvSpPr>
+          <p:cNvPr id="3" name="Text Placeholder 2"/>
+          <p:cNvSpPr>
+            <a:spLocks noGrp="1"/>
+          </p:cNvSpPr>
+          <p:nvPr>
+            <p:ph type="body" idx="1"/>
+          </p:nvPr>
+        </p:nvSpPr>
+        <p:spPr>
+          <a:xfrm>
+            <a:off x="729450" y="1265059"/>
+            <a:ext cx="7688700" cy="533261"/>
+          </a:xfrm>
+        </p:spPr>
+        <p:txBody>
+          <a:bodyPr/>
+          <a:lstStyle/>
+          <a:p>
+            <a:pPr marL="146050" indent="0">
+              <a:buNone/>
+            </a:pPr>
+            <a:r>
+              <a:rPr lang="en-US" dirty="0"/>
+              <a:t>f</a:t>
+            </a:r>
+          </a:p>
+        </p:txBody>
+      </p:sp>
+      <p:sp>
+        <p:nvSpPr>
+          <p:cNvPr id="5" name="TextBox 4"/>
+          <p:cNvSpPr txBox="1"/>
+          <p:nvPr/>
+        </p:nvSpPr>
+        <p:spPr>
+          <a:xfrm>
+            <a:off x="2947595" y="150607"/>
+            <a:ext cx="6196405" cy="738664"/>
+          </a:xfrm>
+          <a:prstGeom prst="rect">
+            <a:avLst/>
+          </a:prstGeom>
+          <a:noFill/>
+        </p:spPr>
+        <p:txBody>
+          <a:bodyPr wrap="square" rtlCol="0">
+            <a:spAutoFit/>
+          </a:bodyPr>
+          <a:lstStyle/>
+          <a:p>
+            <a:r>
+              <a:rPr lang="en-US" dirty="0" smtClean="0"/>
+              <a:t>All the profiles of </a:t>
+            </a:r>
+            <a:r>
+              <a:rPr lang="en-US" dirty="0" smtClean="0"/>
+              <a:t>Group  profile 3 are from a field of study related to social sciences. </a:t>
+            </a:r>
+            <a:r>
+              <a:rPr lang="en-US" dirty="0" smtClean="0"/>
+              <a:t>Repartition </a:t>
+            </a:r>
+            <a:r>
+              <a:rPr lang="en-US" dirty="0" smtClean="0"/>
+              <a:t>of </a:t>
+            </a:r>
+            <a:r>
+              <a:rPr lang="en-US" dirty="0" smtClean="0"/>
+              <a:t>degrees in group Profile: 51.3% of those profiles have a Bachelor and 34.3% a master. </a:t>
+            </a:r>
+            <a:endParaRPr lang="en-US" dirty="0" smtClean="0"/>
+          </a:p>
+        </p:txBody>
+      </p:sp>
       <p:pic>
         <p:nvPicPr>
-          <p:cNvPr id="7" name="Picture 6"/>
+          <p:cNvPr id="6" name="Picture 5"/>
           <p:cNvPicPr>
             <a:picLocks noChangeAspect="1"/>
           </p:cNvPicPr>
@@ -10178,7 +10199,7 @@
         </p:blipFill>
         <p:spPr>
           <a:xfrm>
-            <a:off x="7330961" y="1289443"/>
+            <a:off x="7255658" y="1265059"/>
             <a:ext cx="1711216" cy="3464425"/>
           </a:xfrm>
           <a:prstGeom prst="rect">
@@ -10188,7 +10209,7 @@
       </p:pic>
       <p:pic>
         <p:nvPicPr>
-          <p:cNvPr id="8" name="Picture 7"/>
+          <p:cNvPr id="7" name="Picture 6"/>
           <p:cNvPicPr>
             <a:picLocks noChangeAspect="1"/>
           </p:cNvPicPr>
@@ -10208,54 +10229,18 @@
         </p:blipFill>
         <p:spPr>
           <a:xfrm>
-            <a:off x="607293" y="1516829"/>
-            <a:ext cx="5971523" cy="3237040"/>
+            <a:off x="84724" y="1331810"/>
+            <a:ext cx="6245475" cy="3330921"/>
           </a:xfrm>
           <a:prstGeom prst="rect">
             <a:avLst/>
           </a:prstGeom>
         </p:spPr>
       </p:pic>
-      <p:sp>
-        <p:nvSpPr>
-          <p:cNvPr id="10" name="TextBox 9"/>
-          <p:cNvSpPr txBox="1"/>
-          <p:nvPr/>
-        </p:nvSpPr>
-        <p:spPr>
-          <a:xfrm>
-            <a:off x="3076687" y="139849"/>
-            <a:ext cx="5873675" cy="738664"/>
-          </a:xfrm>
-          <a:prstGeom prst="rect">
-            <a:avLst/>
-          </a:prstGeom>
-          <a:noFill/>
-        </p:spPr>
-        <p:txBody>
-          <a:bodyPr wrap="square" rtlCol="0">
-            <a:spAutoFit/>
-          </a:bodyPr>
-          <a:lstStyle/>
-          <a:p>
-            <a:r>
-              <a:rPr lang="en-US" dirty="0" smtClean="0"/>
-              <a:t>Profile 3, all of those profiles are categorized Business administration,</a:t>
-            </a:r>
-          </a:p>
-          <a:p>
-            <a:r>
-              <a:rPr lang="en-US" dirty="0" smtClean="0"/>
-              <a:t>167 of them have skills of leadership &amp; management, 111 skills of technical &amp; information skills.  </a:t>
-            </a:r>
-            <a:endParaRPr lang="en-US" dirty="0"/>
-          </a:p>
-        </p:txBody>
-      </p:sp>
     </p:spTree>
     <p:extLst>
       <p:ext uri="{BB962C8B-B14F-4D97-AF65-F5344CB8AC3E}">
-        <p14:creationId xmlns:p14="http://schemas.microsoft.com/office/powerpoint/2010/main" val="3144414314"/>
+        <p14:creationId xmlns:p14="http://schemas.microsoft.com/office/powerpoint/2010/main" val="972551949"/>
       </p:ext>
     </p:extLst>
   </p:cSld>
@@ -10307,30 +10292,53 @@
       </p:sp>
       <p:sp>
         <p:nvSpPr>
-          <p:cNvPr id="3" name="Text Placeholder 2"/>
-          <p:cNvSpPr>
-            <a:spLocks noGrp="1"/>
-          </p:cNvSpPr>
-          <p:nvPr>
-            <p:ph type="body" idx="1"/>
-          </p:nvPr>
+          <p:cNvPr id="10" name="TextBox 9"/>
+          <p:cNvSpPr txBox="1"/>
+          <p:nvPr/>
         </p:nvSpPr>
         <p:spPr>
           <a:xfrm>
-            <a:off x="759930" y="1289443"/>
-            <a:ext cx="7688700" cy="728333"/>
+            <a:off x="3076687" y="139849"/>
+            <a:ext cx="5873675" cy="954107"/>
           </a:xfrm>
+          <a:prstGeom prst="rect">
+            <a:avLst/>
+          </a:prstGeom>
+          <a:noFill/>
         </p:spPr>
         <p:txBody>
-          <a:bodyPr/>
+          <a:bodyPr wrap="square" rtlCol="0">
+            <a:spAutoFit/>
+          </a:bodyPr>
           <a:lstStyle/>
           <a:p>
-            <a:pPr marL="146050" indent="0">
-              <a:buNone/>
-            </a:pPr>
             <a:r>
               <a:rPr lang="en-US" dirty="0" smtClean="0"/>
-              <a:t>j</a:t>
+              <a:t>Group Profile </a:t>
+            </a:r>
+            <a:r>
+              <a:rPr lang="en-US" dirty="0"/>
+              <a:t>3</a:t>
+            </a:r>
+            <a:r>
+              <a:rPr lang="en-US" dirty="0" smtClean="0"/>
+              <a:t>, 240 skills related to leadership &amp; management, 159 related to technical &amp; </a:t>
+            </a:r>
+            <a:r>
+              <a:rPr lang="en-US" dirty="0" err="1" smtClean="0"/>
+              <a:t>informations</a:t>
+            </a:r>
+            <a:r>
+              <a:rPr lang="en-US" dirty="0" smtClean="0"/>
+              <a:t> skills and 79 to communication. The repartition is in group profile 3 is: 42.3% for leadership &amp; management, 28% for technical &amp;</a:t>
+            </a:r>
+            <a:r>
+              <a:rPr lang="en-US" dirty="0" err="1" smtClean="0"/>
+              <a:t>informations</a:t>
+            </a:r>
+            <a:r>
+              <a:rPr lang="en-US" dirty="0" smtClean="0"/>
+              <a:t> skills and 13.9% for communication</a:t>
             </a:r>
             <a:endParaRPr lang="en-US" dirty="0"/>
           </a:p>
@@ -10338,7 +10346,7 @@
       </p:sp>
       <p:pic>
         <p:nvPicPr>
-          <p:cNvPr id="5" name="Picture 4"/>
+          <p:cNvPr id="3" name="Picture 2"/>
           <p:cNvPicPr>
             <a:picLocks noChangeAspect="1"/>
           </p:cNvPicPr>
@@ -10358,8 +10366,8 @@
         </p:blipFill>
         <p:spPr>
           <a:xfrm>
-            <a:off x="4195482" y="1527586"/>
-            <a:ext cx="4948518" cy="3164007"/>
+            <a:off x="2898525" y="1449540"/>
+            <a:ext cx="6245475" cy="3289797"/>
           </a:xfrm>
           <a:prstGeom prst="rect">
             <a:avLst/>
@@ -10368,7 +10376,7 @@
       </p:pic>
       <p:pic>
         <p:nvPicPr>
-          <p:cNvPr id="6" name="Picture 5"/>
+          <p:cNvPr id="5" name="Picture 4"/>
           <p:cNvPicPr>
             <a:picLocks noChangeAspect="1"/>
           </p:cNvPicPr>
@@ -10388,68 +10396,18 @@
         </p:blipFill>
         <p:spPr>
           <a:xfrm>
-            <a:off x="64560" y="1320450"/>
-            <a:ext cx="4176394" cy="3288027"/>
+            <a:off x="327106" y="1688389"/>
+            <a:ext cx="2314898" cy="2286319"/>
           </a:xfrm>
           <a:prstGeom prst="rect">
             <a:avLst/>
           </a:prstGeom>
         </p:spPr>
       </p:pic>
-      <p:sp>
-        <p:nvSpPr>
-          <p:cNvPr id="7" name="TextBox 6"/>
-          <p:cNvSpPr txBox="1"/>
-          <p:nvPr/>
-        </p:nvSpPr>
-        <p:spPr>
-          <a:xfrm>
-            <a:off x="3076687" y="290456"/>
-            <a:ext cx="5992009" cy="954107"/>
-          </a:xfrm>
-          <a:prstGeom prst="rect">
-            <a:avLst/>
-          </a:prstGeom>
-          <a:noFill/>
-        </p:spPr>
-        <p:txBody>
-          <a:bodyPr wrap="square" rtlCol="0">
-            <a:spAutoFit/>
-          </a:bodyPr>
-          <a:lstStyle/>
-          <a:p>
-            <a:r>
-              <a:rPr lang="en-US" dirty="0" smtClean="0"/>
-              <a:t>Repartition of category of skills, and degree  in group profile 3. We can notice a lot of Bachelor’s degree again </a:t>
-            </a:r>
-            <a:r>
-              <a:rPr lang="en-US" dirty="0"/>
-              <a:t>granted 74.5%</a:t>
-            </a:r>
-            <a:r>
-              <a:rPr lang="en-US" dirty="0" smtClean="0"/>
-              <a:t> and also leadership &amp; management and technical &amp; </a:t>
-            </a:r>
-            <a:r>
-              <a:rPr lang="en-US" dirty="0" err="1" smtClean="0"/>
-              <a:t>informations</a:t>
-            </a:r>
-            <a:r>
-              <a:rPr lang="en-US" dirty="0" smtClean="0"/>
-              <a:t>  skills </a:t>
-            </a:r>
-            <a:r>
-              <a:rPr lang="en-US" smtClean="0"/>
-              <a:t>, respectively 52.7%, 36%. </a:t>
-            </a:r>
-            <a:endParaRPr lang="en-US" dirty="0"/>
-          </a:p>
-        </p:txBody>
-      </p:sp>
     </p:spTree>
     <p:extLst>
       <p:ext uri="{BB962C8B-B14F-4D97-AF65-F5344CB8AC3E}">
-        <p14:creationId xmlns:p14="http://schemas.microsoft.com/office/powerpoint/2010/main" val="823137122"/>
+        <p14:creationId xmlns:p14="http://schemas.microsoft.com/office/powerpoint/2010/main" val="3144414314"/>
       </p:ext>
     </p:extLst>
   </p:cSld>
@@ -10501,35 +10459,88 @@
       </p:sp>
       <p:sp>
         <p:nvSpPr>
-          <p:cNvPr id="3" name="Text Placeholder 2"/>
-          <p:cNvSpPr>
-            <a:spLocks noGrp="1"/>
-          </p:cNvSpPr>
-          <p:nvPr>
-            <p:ph type="body" idx="1"/>
-          </p:nvPr>
+          <p:cNvPr id="7" name="TextBox 6"/>
+          <p:cNvSpPr txBox="1"/>
+          <p:nvPr/>
         </p:nvSpPr>
         <p:spPr>
           <a:xfrm>
-            <a:off x="759930" y="1289443"/>
-            <a:ext cx="7688700" cy="728333"/>
+            <a:off x="83891" y="2687947"/>
+            <a:ext cx="2291379" cy="954107"/>
           </a:xfrm>
+          <a:prstGeom prst="rect">
+            <a:avLst/>
+          </a:prstGeom>
+          <a:noFill/>
         </p:spPr>
         <p:txBody>
-          <a:bodyPr/>
+          <a:bodyPr wrap="square" rtlCol="0">
+            <a:spAutoFit/>
+          </a:bodyPr>
           <a:lstStyle/>
           <a:p>
-            <a:pPr marL="146050" indent="0">
-              <a:buNone/>
-            </a:pPr>
+            <a:r>
+              <a:rPr lang="en-US" dirty="0" smtClean="0"/>
+              <a:t>Group </a:t>
+            </a:r>
+            <a:r>
+              <a:rPr lang="en-US" dirty="0" err="1" smtClean="0"/>
+              <a:t>profil</a:t>
+            </a:r>
+            <a:r>
+              <a:rPr lang="en-US" dirty="0" smtClean="0"/>
+              <a:t> 4, all the profiles are related to a field of study </a:t>
+            </a:r>
+            <a:r>
+              <a:rPr lang="en-US" dirty="0" smtClean="0"/>
+              <a:t>link to technology </a:t>
+            </a:r>
+            <a:r>
+              <a:rPr lang="en-US" dirty="0" err="1" smtClean="0"/>
+              <a:t>granded</a:t>
+            </a:r>
+            <a:r>
+              <a:rPr lang="en-US" dirty="0" smtClean="0"/>
+              <a:t> 140. </a:t>
+            </a:r>
             <a:endParaRPr lang="en-US" dirty="0"/>
           </a:p>
         </p:txBody>
       </p:sp>
+      <p:pic>
+        <p:nvPicPr>
+          <p:cNvPr id="4" name="Picture 3"/>
+          <p:cNvPicPr>
+            <a:picLocks noChangeAspect="1"/>
+          </p:cNvPicPr>
+          <p:nvPr/>
+        </p:nvPicPr>
+        <p:blipFill>
+          <a:blip r:embed="rId2">
+            <a:extLst>
+              <a:ext uri="{28A0092B-C50C-407E-A947-70E740481C1C}">
+                <a14:useLocalDpi xmlns:a14="http://schemas.microsoft.com/office/drawing/2010/main" val="0"/>
+              </a:ext>
+            </a:extLst>
+          </a:blip>
+          <a:stretch>
+            <a:fillRect/>
+          </a:stretch>
+        </p:blipFill>
+        <p:spPr>
+          <a:xfrm>
+            <a:off x="2375270" y="930013"/>
+            <a:ext cx="6768730" cy="3864387"/>
+          </a:xfrm>
+          <a:prstGeom prst="rect">
+            <a:avLst/>
+          </a:prstGeom>
+        </p:spPr>
+      </p:pic>
     </p:spTree>
     <p:extLst>
       <p:ext uri="{BB962C8B-B14F-4D97-AF65-F5344CB8AC3E}">
-        <p14:creationId xmlns:p14="http://schemas.microsoft.com/office/powerpoint/2010/main" val="1686122568"/>
+        <p14:creationId xmlns:p14="http://schemas.microsoft.com/office/powerpoint/2010/main" val="823137122"/>
       </p:ext>
     </p:extLst>
   </p:cSld>
@@ -10591,8 +10602,8 @@
         </p:nvSpPr>
         <p:spPr>
           <a:xfrm>
-            <a:off x="759930" y="1289443"/>
-            <a:ext cx="7688700" cy="728333"/>
+            <a:off x="301213" y="1914860"/>
+            <a:ext cx="2000923" cy="2581835"/>
           </a:xfrm>
         </p:spPr>
         <p:txBody>
@@ -10602,14 +10613,60 @@
             <a:pPr marL="146050" indent="0">
               <a:buNone/>
             </a:pPr>
+            <a:r>
+              <a:rPr lang="en-US" dirty="0" smtClean="0"/>
+              <a:t>Group </a:t>
+            </a:r>
+            <a:r>
+              <a:rPr lang="en-US" dirty="0" smtClean="0"/>
+              <a:t>Profile 4, We can see in this graph that technical &amp; </a:t>
+            </a:r>
+            <a:r>
+              <a:rPr lang="en-US" dirty="0" err="1" smtClean="0"/>
+              <a:t>infromations</a:t>
+            </a:r>
+            <a:r>
+              <a:rPr lang="en-US" dirty="0" smtClean="0"/>
+              <a:t>, granted 71.4%. </a:t>
+            </a:r>
             <a:endParaRPr lang="en-US" dirty="0"/>
           </a:p>
         </p:txBody>
       </p:sp>
+      <p:pic>
+        <p:nvPicPr>
+          <p:cNvPr id="9" name="Picture 8"/>
+          <p:cNvPicPr>
+            <a:picLocks noChangeAspect="1"/>
+          </p:cNvPicPr>
+          <p:nvPr/>
+        </p:nvPicPr>
+        <p:blipFill>
+          <a:blip r:embed="rId2">
+            <a:extLst>
+              <a:ext uri="{28A0092B-C50C-407E-A947-70E740481C1C}">
+                <a14:useLocalDpi xmlns:a14="http://schemas.microsoft.com/office/drawing/2010/main" val="0"/>
+              </a:ext>
+            </a:extLst>
+          </a:blip>
+          <a:stretch>
+            <a:fillRect/>
+          </a:stretch>
+        </p:blipFill>
+        <p:spPr>
+          <a:xfrm>
+            <a:off x="2273977" y="1052850"/>
+            <a:ext cx="6870023" cy="3638743"/>
+          </a:xfrm>
+          <a:prstGeom prst="rect">
+            <a:avLst/>
+          </a:prstGeom>
+        </p:spPr>
+      </p:pic>
     </p:spTree>
     <p:extLst>
       <p:ext uri="{BB962C8B-B14F-4D97-AF65-F5344CB8AC3E}">
-        <p14:creationId xmlns:p14="http://schemas.microsoft.com/office/powerpoint/2010/main" val="2655762234"/>
+        <p14:creationId xmlns:p14="http://schemas.microsoft.com/office/powerpoint/2010/main" val="1686122568"/>
       </p:ext>
     </p:extLst>
   </p:cSld>
@@ -10671,34 +10728,63 @@
         </p:nvSpPr>
         <p:spPr>
           <a:xfrm>
-            <a:off x="729450" y="1298448"/>
-            <a:ext cx="7688700" cy="3438144"/>
+            <a:off x="301213" y="1914860"/>
+            <a:ext cx="2000923" cy="2140773"/>
           </a:xfrm>
         </p:spPr>
         <p:txBody>
           <a:bodyPr/>
           <a:lstStyle/>
           <a:p>
-            <a:endParaRPr lang="en-US" sz="1200" b="1" dirty="0" smtClean="0"/>
-          </a:p>
-          <a:p>
-            <a:endParaRPr lang="en-US" b="1" dirty="0"/>
-          </a:p>
-          <a:p>
-            <a:endParaRPr lang="en-US" b="1" dirty="0" smtClean="0"/>
-          </a:p>
-          <a:p>
-            <a:endParaRPr lang="en-US" b="1" dirty="0"/>
-          </a:p>
-          <a:p>
+            <a:pPr marL="146050" indent="0">
+              <a:buNone/>
+            </a:pPr>
+            <a:r>
+              <a:rPr lang="en-US" dirty="0" smtClean="0"/>
+              <a:t>Group </a:t>
+            </a:r>
+            <a:r>
+              <a:rPr lang="en-US" dirty="0" smtClean="0"/>
+              <a:t>Profile 4:  47.6%  are Bachelor degrees, 33.3%  of master.</a:t>
+            </a:r>
             <a:endParaRPr lang="en-US" dirty="0"/>
           </a:p>
         </p:txBody>
       </p:sp>
+      <p:pic>
+        <p:nvPicPr>
+          <p:cNvPr id="4" name="Picture 3"/>
+          <p:cNvPicPr>
+            <a:picLocks noChangeAspect="1"/>
+          </p:cNvPicPr>
+          <p:nvPr/>
+        </p:nvPicPr>
+        <p:blipFill>
+          <a:blip r:embed="rId2">
+            <a:extLst>
+              <a:ext uri="{28A0092B-C50C-407E-A947-70E740481C1C}">
+                <a14:useLocalDpi xmlns:a14="http://schemas.microsoft.com/office/drawing/2010/main" val="0"/>
+              </a:ext>
+            </a:extLst>
+          </a:blip>
+          <a:stretch>
+            <a:fillRect/>
+          </a:stretch>
+        </p:blipFill>
+        <p:spPr>
+          <a:xfrm>
+            <a:off x="2302136" y="1223838"/>
+            <a:ext cx="6870023" cy="3664013"/>
+          </a:xfrm>
+          <a:prstGeom prst="rect">
+            <a:avLst/>
+          </a:prstGeom>
+        </p:spPr>
+      </p:pic>
     </p:spTree>
     <p:extLst>
       <p:ext uri="{BB962C8B-B14F-4D97-AF65-F5344CB8AC3E}">
-        <p14:creationId xmlns:p14="http://schemas.microsoft.com/office/powerpoint/2010/main" val="2177968528"/>
+        <p14:creationId xmlns:p14="http://schemas.microsoft.com/office/powerpoint/2010/main" val="402513879"/>
       </p:ext>
     </p:extLst>
   </p:cSld>
@@ -11047,8 +11133,8 @@
         </p:nvSpPr>
         <p:spPr>
           <a:xfrm>
-            <a:off x="729450" y="1326019"/>
-            <a:ext cx="7688700" cy="569837"/>
+            <a:off x="150607" y="1818042"/>
+            <a:ext cx="2322226" cy="2930662"/>
           </a:xfrm>
         </p:spPr>
         <p:txBody>
@@ -11058,14 +11144,61 @@
             <a:pPr marL="146050" indent="0">
               <a:buNone/>
             </a:pPr>
+            <a:r>
+              <a:rPr lang="en-US" dirty="0" smtClean="0"/>
+              <a:t>Group profile 5, we notice that most of profiles are related on leadership &amp; management or technical &amp; </a:t>
+            </a:r>
+            <a:r>
+              <a:rPr lang="en-US" dirty="0" err="1" smtClean="0"/>
+              <a:t>informations</a:t>
+            </a:r>
+            <a:r>
+              <a:rPr lang="en-US" dirty="0" smtClean="0"/>
+              <a:t> skills, respectively 79 and 51.</a:t>
+            </a:r>
+          </a:p>
+          <a:p>
+            <a:pPr marL="146050" indent="0">
+              <a:buNone/>
+            </a:pPr>
             <a:endParaRPr lang="en-US" dirty="0"/>
           </a:p>
         </p:txBody>
       </p:sp>
+      <p:pic>
+        <p:nvPicPr>
+          <p:cNvPr id="6" name="Picture 5"/>
+          <p:cNvPicPr>
+            <a:picLocks noChangeAspect="1"/>
+          </p:cNvPicPr>
+          <p:nvPr/>
+        </p:nvPicPr>
+        <p:blipFill>
+          <a:blip r:embed="rId2">
+            <a:extLst>
+              <a:ext uri="{28A0092B-C50C-407E-A947-70E740481C1C}">
+                <a14:useLocalDpi xmlns:a14="http://schemas.microsoft.com/office/drawing/2010/main" val="0"/>
+              </a:ext>
+            </a:extLst>
+          </a:blip>
+          <a:stretch>
+            <a:fillRect/>
+          </a:stretch>
+        </p:blipFill>
+        <p:spPr>
+          <a:xfrm>
+            <a:off x="2472833" y="884317"/>
+            <a:ext cx="6552997" cy="3864387"/>
+          </a:xfrm>
+          <a:prstGeom prst="rect">
+            <a:avLst/>
+          </a:prstGeom>
+        </p:spPr>
+      </p:pic>
     </p:spTree>
     <p:extLst>
       <p:ext uri="{BB962C8B-B14F-4D97-AF65-F5344CB8AC3E}">
-        <p14:creationId xmlns:p14="http://schemas.microsoft.com/office/powerpoint/2010/main" val="3541157195"/>
+        <p14:creationId xmlns:p14="http://schemas.microsoft.com/office/powerpoint/2010/main" val="2655762234"/>
       </p:ext>
     </p:extLst>
   </p:cSld>
@@ -11125,19 +11258,104 @@
             <p:ph type="body" idx="1"/>
           </p:nvPr>
         </p:nvSpPr>
-        <p:spPr/>
+        <p:spPr>
+          <a:xfrm>
+            <a:off x="729450" y="1298448"/>
+            <a:ext cx="7688700" cy="3438144"/>
+          </a:xfrm>
+        </p:spPr>
         <p:txBody>
           <a:bodyPr/>
           <a:lstStyle/>
           <a:p>
+            <a:endParaRPr lang="en-US" sz="1200" b="1" dirty="0" smtClean="0"/>
+          </a:p>
+          <a:p>
+            <a:endParaRPr lang="en-US" b="1" dirty="0"/>
+          </a:p>
+          <a:p>
+            <a:endParaRPr lang="en-US" b="1" dirty="0" smtClean="0"/>
+          </a:p>
+          <a:p>
+            <a:endParaRPr lang="en-US" b="1" dirty="0"/>
+          </a:p>
+          <a:p>
             <a:endParaRPr lang="en-US" dirty="0"/>
           </a:p>
         </p:txBody>
       </p:sp>
+      <p:sp>
+        <p:nvSpPr>
+          <p:cNvPr id="7" name="TextBox 6"/>
+          <p:cNvSpPr txBox="1"/>
+          <p:nvPr/>
+        </p:nvSpPr>
+        <p:spPr>
+          <a:xfrm>
+            <a:off x="333487" y="1320450"/>
+            <a:ext cx="2049851" cy="1815882"/>
+          </a:xfrm>
+          <a:prstGeom prst="rect">
+            <a:avLst/>
+          </a:prstGeom>
+          <a:noFill/>
+        </p:spPr>
+        <p:txBody>
+          <a:bodyPr wrap="square" rtlCol="0">
+            <a:spAutoFit/>
+          </a:bodyPr>
+          <a:lstStyle/>
+          <a:p>
+            <a:r>
+              <a:rPr lang="en-US" dirty="0" smtClean="0"/>
+              <a:t>The repartition of the categories of skills in Group profile 5 for the most relevant is: 49.1% for leadership &amp; management and 31.7% for technical &amp; </a:t>
+            </a:r>
+            <a:r>
+              <a:rPr lang="en-US" dirty="0" err="1" smtClean="0"/>
+              <a:t>informations</a:t>
+            </a:r>
+            <a:r>
+              <a:rPr lang="en-US" dirty="0" smtClean="0"/>
+              <a:t> skills.</a:t>
+            </a:r>
+            <a:endParaRPr lang="en-US" dirty="0"/>
+          </a:p>
+        </p:txBody>
+      </p:sp>
+      <p:pic>
+        <p:nvPicPr>
+          <p:cNvPr id="10" name="Picture 9"/>
+          <p:cNvPicPr>
+            <a:picLocks noChangeAspect="1"/>
+          </p:cNvPicPr>
+          <p:nvPr/>
+        </p:nvPicPr>
+        <p:blipFill>
+          <a:blip r:embed="rId2">
+            <a:extLst>
+              <a:ext uri="{28A0092B-C50C-407E-A947-70E740481C1C}">
+                <a14:useLocalDpi xmlns:a14="http://schemas.microsoft.com/office/drawing/2010/main" val="0"/>
+              </a:ext>
+            </a:extLst>
+          </a:blip>
+          <a:stretch>
+            <a:fillRect/>
+          </a:stretch>
+        </p:blipFill>
+        <p:spPr>
+          <a:xfrm>
+            <a:off x="2273977" y="1052850"/>
+            <a:ext cx="6870023" cy="3638743"/>
+          </a:xfrm>
+          <a:prstGeom prst="rect">
+            <a:avLst/>
+          </a:prstGeom>
+        </p:spPr>
+      </p:pic>
     </p:spTree>
     <p:extLst>
       <p:ext uri="{BB962C8B-B14F-4D97-AF65-F5344CB8AC3E}">
-        <p14:creationId xmlns:p14="http://schemas.microsoft.com/office/powerpoint/2010/main" val="3827588687"/>
+        <p14:creationId xmlns:p14="http://schemas.microsoft.com/office/powerpoint/2010/main" val="2177968528"/>
       </p:ext>
     </p:extLst>
   </p:cSld>
@@ -11180,8 +11398,8 @@
           <a:lstStyle/>
           <a:p>
             <a:r>
-              <a:rPr lang="en-US" dirty="0" smtClean="0"/>
-              <a:t>Result</a:t>
+              <a:rPr lang="en" dirty="0"/>
+              <a:t>Results</a:t>
             </a:r>
             <a:endParaRPr lang="en-US" dirty="0"/>
           </a:p>
@@ -11199,22 +11417,63 @@
         </p:nvSpPr>
         <p:spPr>
           <a:xfrm>
-            <a:off x="729450" y="1258963"/>
-            <a:ext cx="7688700" cy="789293"/>
+            <a:off x="96820" y="1326019"/>
+            <a:ext cx="2177158" cy="3280255"/>
           </a:xfrm>
         </p:spPr>
         <p:txBody>
           <a:bodyPr/>
           <a:lstStyle/>
           <a:p>
+            <a:pPr marL="146050" indent="0">
+              <a:buNone/>
+            </a:pPr>
+            <a:r>
+              <a:rPr lang="en-US" dirty="0"/>
+              <a:t>R</a:t>
+            </a:r>
+            <a:r>
+              <a:rPr lang="en-US" dirty="0" smtClean="0"/>
+              <a:t>epartition of degrees: We noticed that the half have a bachelor’s degree, exactly 50%, 21.8% for master, 16.7% for Certificate &amp; Diplomas. </a:t>
+            </a:r>
             <a:endParaRPr lang="en-US" dirty="0"/>
           </a:p>
         </p:txBody>
       </p:sp>
+      <p:pic>
+        <p:nvPicPr>
+          <p:cNvPr id="8" name="Picture 7"/>
+          <p:cNvPicPr>
+            <a:picLocks noChangeAspect="1"/>
+          </p:cNvPicPr>
+          <p:nvPr/>
+        </p:nvPicPr>
+        <p:blipFill>
+          <a:blip r:embed="rId2">
+            <a:extLst>
+              <a:ext uri="{28A0092B-C50C-407E-A947-70E740481C1C}">
+                <a14:useLocalDpi xmlns:a14="http://schemas.microsoft.com/office/drawing/2010/main" val="0"/>
+              </a:ext>
+            </a:extLst>
+          </a:blip>
+          <a:stretch>
+            <a:fillRect/>
+          </a:stretch>
+        </p:blipFill>
+        <p:spPr>
+          <a:xfrm>
+            <a:off x="2273977" y="1063549"/>
+            <a:ext cx="6870023" cy="3664013"/>
+          </a:xfrm>
+          <a:prstGeom prst="rect">
+            <a:avLst/>
+          </a:prstGeom>
+        </p:spPr>
+      </p:pic>
     </p:spTree>
     <p:extLst>
       <p:ext uri="{BB962C8B-B14F-4D97-AF65-F5344CB8AC3E}">
-        <p14:creationId xmlns:p14="http://schemas.microsoft.com/office/powerpoint/2010/main" val="1998618866"/>
+        <p14:creationId xmlns:p14="http://schemas.microsoft.com/office/powerpoint/2010/main" val="3541157195"/>
       </p:ext>
     </p:extLst>
   </p:cSld>
@@ -11257,8 +11516,8 @@
           <a:lstStyle/>
           <a:p>
             <a:r>
-              <a:rPr lang="en" dirty="0"/>
-              <a:t>Discussion &amp; Recommendations</a:t>
+              <a:rPr lang="en-US" dirty="0" smtClean="0"/>
+              <a:t>Result</a:t>
             </a:r>
             <a:endParaRPr lang="en-US" dirty="0"/>
           </a:p>
@@ -11276,18 +11535,1339 @@
         </p:nvSpPr>
         <p:spPr>
           <a:xfrm>
-            <a:off x="729450" y="1545474"/>
-            <a:ext cx="7688700" cy="3203310"/>
+            <a:off x="127636" y="1320449"/>
+            <a:ext cx="2323651" cy="3230035"/>
           </a:xfrm>
         </p:spPr>
         <p:txBody>
           <a:bodyPr/>
           <a:lstStyle/>
           <a:p>
+            <a:pPr marL="146050" indent="0">
+              <a:buNone/>
+            </a:pPr>
+            <a:r>
+              <a:rPr lang="en-US" dirty="0" err="1" smtClean="0"/>
+              <a:t>Groupe</a:t>
+            </a:r>
+            <a:r>
+              <a:rPr lang="en-US" dirty="0" smtClean="0"/>
+              <a:t> Profile 1</a:t>
+            </a:r>
+          </a:p>
+          <a:p>
+            <a:pPr marL="146050" indent="0">
+              <a:buNone/>
+            </a:pPr>
+            <a:r>
+              <a:rPr lang="en-US" dirty="0"/>
+              <a:t>Highlight specific skills using </a:t>
+            </a:r>
+            <a:r>
+              <a:rPr lang="en-US" dirty="0" err="1"/>
+              <a:t>wordcloud</a:t>
+            </a:r>
+            <a:r>
+              <a:rPr lang="en-US" dirty="0"/>
+              <a:t> </a:t>
+            </a:r>
+          </a:p>
+          <a:p>
+            <a:pPr marL="146050" indent="0">
+              <a:buNone/>
+            </a:pPr>
             <a:endParaRPr lang="en-US" dirty="0"/>
           </a:p>
         </p:txBody>
       </p:sp>
+      <p:pic>
+        <p:nvPicPr>
+          <p:cNvPr id="6" name="Picture 5"/>
+          <p:cNvPicPr>
+            <a:picLocks noChangeAspect="1"/>
+          </p:cNvPicPr>
+          <p:nvPr/>
+        </p:nvPicPr>
+        <p:blipFill>
+          <a:blip r:embed="rId2">
+            <a:extLst>
+              <a:ext uri="{28A0092B-C50C-407E-A947-70E740481C1C}">
+                <a14:useLocalDpi xmlns:a14="http://schemas.microsoft.com/office/drawing/2010/main" val="0"/>
+              </a:ext>
+            </a:extLst>
+          </a:blip>
+          <a:stretch>
+            <a:fillRect/>
+          </a:stretch>
+        </p:blipFill>
+        <p:spPr>
+          <a:xfrm>
+            <a:off x="2589307" y="1320449"/>
+            <a:ext cx="6554693" cy="3366267"/>
+          </a:xfrm>
+          <a:prstGeom prst="rect">
+            <a:avLst/>
+          </a:prstGeom>
+        </p:spPr>
+      </p:pic>
+    </p:spTree>
+    <p:extLst>
+      <p:ext uri="{BB962C8B-B14F-4D97-AF65-F5344CB8AC3E}">
+        <p14:creationId xmlns:p14="http://schemas.microsoft.com/office/powerpoint/2010/main" val="1998618866"/>
+      </p:ext>
+    </p:extLst>
+  </p:cSld>
+  <p:clrMapOvr>
+    <a:masterClrMapping/>
+  </p:clrMapOvr>
+</p:sld>
+</file>
+
+<file path=ppt/slides/slide24.xml><?xml version="1.0" encoding="utf-8"?>
+<p:sld xmlns:a="http://schemas.openxmlformats.org/drawingml/2006/main" xmlns:r="http://schemas.openxmlformats.org/officeDocument/2006/relationships" xmlns:p="http://schemas.openxmlformats.org/presentationml/2006/main">
+  <p:cSld>
+    <p:spTree>
+      <p:nvGrpSpPr>
+        <p:cNvPr id="1" name=""/>
+        <p:cNvGrpSpPr/>
+        <p:nvPr/>
+      </p:nvGrpSpPr>
+      <p:grpSpPr>
+        <a:xfrm>
+          <a:off x="0" y="0"/>
+          <a:ext cx="0" cy="0"/>
+          <a:chOff x="0" y="0"/>
+          <a:chExt cx="0" cy="0"/>
+        </a:xfrm>
+      </p:grpSpPr>
+      <p:sp>
+        <p:nvSpPr>
+          <p:cNvPr id="2" name="Title 1"/>
+          <p:cNvSpPr>
+            <a:spLocks noGrp="1"/>
+          </p:cNvSpPr>
+          <p:nvPr>
+            <p:ph type="title"/>
+          </p:nvPr>
+        </p:nvSpPr>
+        <p:spPr/>
+        <p:txBody>
+          <a:bodyPr/>
+          <a:lstStyle/>
+          <a:p>
+            <a:r>
+              <a:rPr lang="en-US" dirty="0" smtClean="0"/>
+              <a:t>Result</a:t>
+            </a:r>
+            <a:endParaRPr lang="en-US" dirty="0"/>
+          </a:p>
+        </p:txBody>
+      </p:sp>
+      <p:sp>
+        <p:nvSpPr>
+          <p:cNvPr id="3" name="Text Placeholder 2"/>
+          <p:cNvSpPr>
+            <a:spLocks noGrp="1"/>
+          </p:cNvSpPr>
+          <p:nvPr>
+            <p:ph type="body" idx="1"/>
+          </p:nvPr>
+        </p:nvSpPr>
+        <p:spPr>
+          <a:xfrm>
+            <a:off x="172122" y="1258963"/>
+            <a:ext cx="2043953" cy="3334552"/>
+          </a:xfrm>
+        </p:spPr>
+        <p:txBody>
+          <a:bodyPr/>
+          <a:lstStyle/>
+          <a:p>
+            <a:r>
+              <a:rPr lang="en-US" dirty="0" smtClean="0"/>
+              <a:t>Group </a:t>
+            </a:r>
+            <a:r>
+              <a:rPr lang="en-US" dirty="0" err="1" smtClean="0"/>
+              <a:t>Profil</a:t>
+            </a:r>
+            <a:r>
+              <a:rPr lang="en-US" dirty="0" smtClean="0"/>
+              <a:t> 2, </a:t>
+            </a:r>
+          </a:p>
+          <a:p>
+            <a:pPr marL="146050" indent="0">
+              <a:buNone/>
+            </a:pPr>
+            <a:r>
+              <a:rPr lang="en-US" dirty="0"/>
+              <a:t>Highlight specific skills</a:t>
+            </a:r>
+            <a:endParaRPr lang="en-US" dirty="0"/>
+          </a:p>
+        </p:txBody>
+      </p:sp>
+      <p:pic>
+        <p:nvPicPr>
+          <p:cNvPr id="6" name="Picture 5"/>
+          <p:cNvPicPr>
+            <a:picLocks noChangeAspect="1"/>
+          </p:cNvPicPr>
+          <p:nvPr/>
+        </p:nvPicPr>
+        <p:blipFill>
+          <a:blip r:embed="rId2">
+            <a:extLst>
+              <a:ext uri="{28A0092B-C50C-407E-A947-70E740481C1C}">
+                <a14:useLocalDpi xmlns:a14="http://schemas.microsoft.com/office/drawing/2010/main" val="0"/>
+              </a:ext>
+            </a:extLst>
+          </a:blip>
+          <a:stretch>
+            <a:fillRect/>
+          </a:stretch>
+        </p:blipFill>
+        <p:spPr>
+          <a:xfrm>
+            <a:off x="2589307" y="1320450"/>
+            <a:ext cx="6554693" cy="3366267"/>
+          </a:xfrm>
+          <a:prstGeom prst="rect">
+            <a:avLst/>
+          </a:prstGeom>
+        </p:spPr>
+      </p:pic>
+    </p:spTree>
+    <p:extLst>
+      <p:ext uri="{BB962C8B-B14F-4D97-AF65-F5344CB8AC3E}">
+        <p14:creationId xmlns:p14="http://schemas.microsoft.com/office/powerpoint/2010/main" val="3376247776"/>
+      </p:ext>
+    </p:extLst>
+  </p:cSld>
+  <p:clrMapOvr>
+    <a:masterClrMapping/>
+  </p:clrMapOvr>
+</p:sld>
+</file>
+
+<file path=ppt/slides/slide25.xml><?xml version="1.0" encoding="utf-8"?>
+<p:sld xmlns:a="http://schemas.openxmlformats.org/drawingml/2006/main" xmlns:r="http://schemas.openxmlformats.org/officeDocument/2006/relationships" xmlns:p="http://schemas.openxmlformats.org/presentationml/2006/main">
+  <p:cSld>
+    <p:spTree>
+      <p:nvGrpSpPr>
+        <p:cNvPr id="1" name=""/>
+        <p:cNvGrpSpPr/>
+        <p:nvPr/>
+      </p:nvGrpSpPr>
+      <p:grpSpPr>
+        <a:xfrm>
+          <a:off x="0" y="0"/>
+          <a:ext cx="0" cy="0"/>
+          <a:chOff x="0" y="0"/>
+          <a:chExt cx="0" cy="0"/>
+        </a:xfrm>
+      </p:grpSpPr>
+      <p:sp>
+        <p:nvSpPr>
+          <p:cNvPr id="2" name="Title 1"/>
+          <p:cNvSpPr>
+            <a:spLocks noGrp="1"/>
+          </p:cNvSpPr>
+          <p:nvPr>
+            <p:ph type="title"/>
+          </p:nvPr>
+        </p:nvSpPr>
+        <p:spPr/>
+        <p:txBody>
+          <a:bodyPr/>
+          <a:lstStyle/>
+          <a:p>
+            <a:r>
+              <a:rPr lang="en-US" dirty="0" smtClean="0"/>
+              <a:t>Result</a:t>
+            </a:r>
+            <a:endParaRPr lang="en-US" dirty="0"/>
+          </a:p>
+        </p:txBody>
+      </p:sp>
+      <p:sp>
+        <p:nvSpPr>
+          <p:cNvPr id="3" name="Text Placeholder 2"/>
+          <p:cNvSpPr>
+            <a:spLocks noGrp="1"/>
+          </p:cNvSpPr>
+          <p:nvPr>
+            <p:ph type="body" idx="1"/>
+          </p:nvPr>
+        </p:nvSpPr>
+        <p:spPr>
+          <a:xfrm>
+            <a:off x="172122" y="1258963"/>
+            <a:ext cx="2043953" cy="3334552"/>
+          </a:xfrm>
+        </p:spPr>
+        <p:txBody>
+          <a:bodyPr/>
+          <a:lstStyle/>
+          <a:p>
+            <a:r>
+              <a:rPr lang="en-US" dirty="0" smtClean="0"/>
+              <a:t>Group </a:t>
+            </a:r>
+            <a:r>
+              <a:rPr lang="en-US" dirty="0" err="1" smtClean="0"/>
+              <a:t>Profil</a:t>
+            </a:r>
+            <a:r>
+              <a:rPr lang="en-US" dirty="0" smtClean="0"/>
+              <a:t> 3, </a:t>
+            </a:r>
+          </a:p>
+          <a:p>
+            <a:pPr marL="146050" indent="0">
+              <a:buNone/>
+            </a:pPr>
+            <a:r>
+              <a:rPr lang="en-US" dirty="0"/>
+              <a:t>Highlight specific skills</a:t>
+            </a:r>
+            <a:endParaRPr lang="en-US" dirty="0"/>
+          </a:p>
+        </p:txBody>
+      </p:sp>
+      <p:pic>
+        <p:nvPicPr>
+          <p:cNvPr id="7" name="Picture 6"/>
+          <p:cNvPicPr>
+            <a:picLocks noChangeAspect="1"/>
+          </p:cNvPicPr>
+          <p:nvPr/>
+        </p:nvPicPr>
+        <p:blipFill>
+          <a:blip r:embed="rId2">
+            <a:extLst>
+              <a:ext uri="{28A0092B-C50C-407E-A947-70E740481C1C}">
+                <a14:useLocalDpi xmlns:a14="http://schemas.microsoft.com/office/drawing/2010/main" val="0"/>
+              </a:ext>
+            </a:extLst>
+          </a:blip>
+          <a:stretch>
+            <a:fillRect/>
+          </a:stretch>
+        </p:blipFill>
+        <p:spPr>
+          <a:xfrm>
+            <a:off x="2589307" y="1320450"/>
+            <a:ext cx="6554693" cy="3366267"/>
+          </a:xfrm>
+          <a:prstGeom prst="rect">
+            <a:avLst/>
+          </a:prstGeom>
+        </p:spPr>
+      </p:pic>
+    </p:spTree>
+    <p:extLst>
+      <p:ext uri="{BB962C8B-B14F-4D97-AF65-F5344CB8AC3E}">
+        <p14:creationId xmlns:p14="http://schemas.microsoft.com/office/powerpoint/2010/main" val="3758328354"/>
+      </p:ext>
+    </p:extLst>
+  </p:cSld>
+  <p:clrMapOvr>
+    <a:masterClrMapping/>
+  </p:clrMapOvr>
+</p:sld>
+</file>
+
+<file path=ppt/slides/slide26.xml><?xml version="1.0" encoding="utf-8"?>
+<p:sld xmlns:a="http://schemas.openxmlformats.org/drawingml/2006/main" xmlns:r="http://schemas.openxmlformats.org/officeDocument/2006/relationships" xmlns:p="http://schemas.openxmlformats.org/presentationml/2006/main">
+  <p:cSld>
+    <p:spTree>
+      <p:nvGrpSpPr>
+        <p:cNvPr id="1" name=""/>
+        <p:cNvGrpSpPr/>
+        <p:nvPr/>
+      </p:nvGrpSpPr>
+      <p:grpSpPr>
+        <a:xfrm>
+          <a:off x="0" y="0"/>
+          <a:ext cx="0" cy="0"/>
+          <a:chOff x="0" y="0"/>
+          <a:chExt cx="0" cy="0"/>
+        </a:xfrm>
+      </p:grpSpPr>
+      <p:sp>
+        <p:nvSpPr>
+          <p:cNvPr id="2" name="Title 1"/>
+          <p:cNvSpPr>
+            <a:spLocks noGrp="1"/>
+          </p:cNvSpPr>
+          <p:nvPr>
+            <p:ph type="title"/>
+          </p:nvPr>
+        </p:nvSpPr>
+        <p:spPr/>
+        <p:txBody>
+          <a:bodyPr/>
+          <a:lstStyle/>
+          <a:p>
+            <a:r>
+              <a:rPr lang="en-US" dirty="0" smtClean="0"/>
+              <a:t>Result</a:t>
+            </a:r>
+            <a:endParaRPr lang="en-US" dirty="0"/>
+          </a:p>
+        </p:txBody>
+      </p:sp>
+      <p:sp>
+        <p:nvSpPr>
+          <p:cNvPr id="3" name="Text Placeholder 2"/>
+          <p:cNvSpPr>
+            <a:spLocks noGrp="1"/>
+          </p:cNvSpPr>
+          <p:nvPr>
+            <p:ph type="body" idx="1"/>
+          </p:nvPr>
+        </p:nvSpPr>
+        <p:spPr>
+          <a:xfrm>
+            <a:off x="3600" y="1258963"/>
+            <a:ext cx="2190960" cy="3347311"/>
+          </a:xfrm>
+        </p:spPr>
+        <p:txBody>
+          <a:bodyPr/>
+          <a:lstStyle/>
+          <a:p>
+            <a:r>
+              <a:rPr lang="en-US" dirty="0" smtClean="0"/>
+              <a:t>Group </a:t>
+            </a:r>
+            <a:r>
+              <a:rPr lang="en-US" dirty="0" err="1" smtClean="0"/>
+              <a:t>profil</a:t>
+            </a:r>
+            <a:r>
+              <a:rPr lang="en-US" dirty="0" smtClean="0"/>
+              <a:t> 4 </a:t>
+            </a:r>
+            <a:endParaRPr lang="en-US" dirty="0"/>
+          </a:p>
+        </p:txBody>
+      </p:sp>
+      <p:pic>
+        <p:nvPicPr>
+          <p:cNvPr id="6" name="Picture 5"/>
+          <p:cNvPicPr>
+            <a:picLocks noChangeAspect="1"/>
+          </p:cNvPicPr>
+          <p:nvPr/>
+        </p:nvPicPr>
+        <p:blipFill>
+          <a:blip r:embed="rId2">
+            <a:extLst>
+              <a:ext uri="{28A0092B-C50C-407E-A947-70E740481C1C}">
+                <a14:useLocalDpi xmlns:a14="http://schemas.microsoft.com/office/drawing/2010/main" val="0"/>
+              </a:ext>
+            </a:extLst>
+          </a:blip>
+          <a:stretch>
+            <a:fillRect/>
+          </a:stretch>
+        </p:blipFill>
+        <p:spPr>
+          <a:xfrm>
+            <a:off x="2029009" y="1437256"/>
+            <a:ext cx="6554693" cy="3366267"/>
+          </a:xfrm>
+          <a:prstGeom prst="rect">
+            <a:avLst/>
+          </a:prstGeom>
+        </p:spPr>
+      </p:pic>
+    </p:spTree>
+    <p:extLst>
+      <p:ext uri="{BB962C8B-B14F-4D97-AF65-F5344CB8AC3E}">
+        <p14:creationId xmlns:p14="http://schemas.microsoft.com/office/powerpoint/2010/main" val="171955904"/>
+      </p:ext>
+    </p:extLst>
+  </p:cSld>
+  <p:clrMapOvr>
+    <a:masterClrMapping/>
+  </p:clrMapOvr>
+</p:sld>
+</file>
+
+<file path=ppt/slides/slide27.xml><?xml version="1.0" encoding="utf-8"?>
+<p:sld xmlns:a="http://schemas.openxmlformats.org/drawingml/2006/main" xmlns:r="http://schemas.openxmlformats.org/officeDocument/2006/relationships" xmlns:p="http://schemas.openxmlformats.org/presentationml/2006/main">
+  <p:cSld>
+    <p:spTree>
+      <p:nvGrpSpPr>
+        <p:cNvPr id="1" name=""/>
+        <p:cNvGrpSpPr/>
+        <p:nvPr/>
+      </p:nvGrpSpPr>
+      <p:grpSpPr>
+        <a:xfrm>
+          <a:off x="0" y="0"/>
+          <a:ext cx="0" cy="0"/>
+          <a:chOff x="0" y="0"/>
+          <a:chExt cx="0" cy="0"/>
+        </a:xfrm>
+      </p:grpSpPr>
+      <p:sp>
+        <p:nvSpPr>
+          <p:cNvPr id="2" name="Title 1"/>
+          <p:cNvSpPr>
+            <a:spLocks noGrp="1"/>
+          </p:cNvSpPr>
+          <p:nvPr>
+            <p:ph type="title"/>
+          </p:nvPr>
+        </p:nvSpPr>
+        <p:spPr/>
+        <p:txBody>
+          <a:bodyPr/>
+          <a:lstStyle/>
+          <a:p>
+            <a:r>
+              <a:rPr lang="en-US" dirty="0" smtClean="0"/>
+              <a:t>Result</a:t>
+            </a:r>
+            <a:endParaRPr lang="en-US" dirty="0"/>
+          </a:p>
+        </p:txBody>
+      </p:sp>
+      <p:sp>
+        <p:nvSpPr>
+          <p:cNvPr id="3" name="Text Placeholder 2"/>
+          <p:cNvSpPr>
+            <a:spLocks noGrp="1"/>
+          </p:cNvSpPr>
+          <p:nvPr>
+            <p:ph type="body" idx="1"/>
+          </p:nvPr>
+        </p:nvSpPr>
+        <p:spPr>
+          <a:xfrm>
+            <a:off x="3600" y="1258963"/>
+            <a:ext cx="2190960" cy="3347311"/>
+          </a:xfrm>
+        </p:spPr>
+        <p:txBody>
+          <a:bodyPr/>
+          <a:lstStyle/>
+          <a:p>
+            <a:r>
+              <a:rPr lang="en-US" dirty="0" smtClean="0"/>
+              <a:t>Group </a:t>
+            </a:r>
+            <a:r>
+              <a:rPr lang="en-US" dirty="0" err="1" smtClean="0"/>
+              <a:t>profil</a:t>
+            </a:r>
+            <a:r>
+              <a:rPr lang="en-US" dirty="0" smtClean="0"/>
+              <a:t> 5 </a:t>
+            </a:r>
+            <a:endParaRPr lang="en-US" dirty="0"/>
+          </a:p>
+        </p:txBody>
+      </p:sp>
+      <p:pic>
+        <p:nvPicPr>
+          <p:cNvPr id="4" name="Picture 3"/>
+          <p:cNvPicPr>
+            <a:picLocks noChangeAspect="1"/>
+          </p:cNvPicPr>
+          <p:nvPr/>
+        </p:nvPicPr>
+        <p:blipFill>
+          <a:blip r:embed="rId2">
+            <a:extLst>
+              <a:ext uri="{28A0092B-C50C-407E-A947-70E740481C1C}">
+                <a14:useLocalDpi xmlns:a14="http://schemas.microsoft.com/office/drawing/2010/main" val="0"/>
+              </a:ext>
+            </a:extLst>
+          </a:blip>
+          <a:stretch>
+            <a:fillRect/>
+          </a:stretch>
+        </p:blipFill>
+        <p:spPr>
+          <a:xfrm>
+            <a:off x="2477995" y="1320450"/>
+            <a:ext cx="6554693" cy="3366267"/>
+          </a:xfrm>
+          <a:prstGeom prst="rect">
+            <a:avLst/>
+          </a:prstGeom>
+        </p:spPr>
+      </p:pic>
+    </p:spTree>
+    <p:extLst>
+      <p:ext uri="{BB962C8B-B14F-4D97-AF65-F5344CB8AC3E}">
+        <p14:creationId xmlns:p14="http://schemas.microsoft.com/office/powerpoint/2010/main" val="4204170814"/>
+      </p:ext>
+    </p:extLst>
+  </p:cSld>
+  <p:clrMapOvr>
+    <a:masterClrMapping/>
+  </p:clrMapOvr>
+</p:sld>
+</file>
+
+<file path=ppt/slides/slide28.xml><?xml version="1.0" encoding="utf-8"?>
+<p:sld xmlns:a="http://schemas.openxmlformats.org/drawingml/2006/main" xmlns:r="http://schemas.openxmlformats.org/officeDocument/2006/relationships" xmlns:p="http://schemas.openxmlformats.org/presentationml/2006/main">
+  <p:cSld>
+    <p:spTree>
+      <p:nvGrpSpPr>
+        <p:cNvPr id="1" name=""/>
+        <p:cNvGrpSpPr/>
+        <p:nvPr/>
+      </p:nvGrpSpPr>
+      <p:grpSpPr>
+        <a:xfrm>
+          <a:off x="0" y="0"/>
+          <a:ext cx="0" cy="0"/>
+          <a:chOff x="0" y="0"/>
+          <a:chExt cx="0" cy="0"/>
+        </a:xfrm>
+      </p:grpSpPr>
+      <p:sp>
+        <p:nvSpPr>
+          <p:cNvPr id="2" name="Title 1"/>
+          <p:cNvSpPr>
+            <a:spLocks noGrp="1"/>
+          </p:cNvSpPr>
+          <p:nvPr>
+            <p:ph type="title"/>
+          </p:nvPr>
+        </p:nvSpPr>
+        <p:spPr>
+          <a:xfrm>
+            <a:off x="514297" y="86003"/>
+            <a:ext cx="7688700" cy="535200"/>
+          </a:xfrm>
+        </p:spPr>
+        <p:txBody>
+          <a:bodyPr/>
+          <a:lstStyle/>
+          <a:p>
+            <a:r>
+              <a:rPr lang="en" dirty="0"/>
+              <a:t>Discussion &amp; Recommendations</a:t>
+            </a:r>
+            <a:endParaRPr lang="en-US" dirty="0"/>
+          </a:p>
+        </p:txBody>
+      </p:sp>
+      <p:graphicFrame>
+        <p:nvGraphicFramePr>
+          <p:cNvPr id="7" name="Table 6"/>
+          <p:cNvGraphicFramePr>
+            <a:graphicFrameLocks noGrp="1"/>
+          </p:cNvGraphicFramePr>
+          <p:nvPr>
+            <p:extLst>
+              <p:ext uri="{D42A27DB-BD31-4B8C-83A1-F6EECF244321}">
+                <p14:modId xmlns:p14="http://schemas.microsoft.com/office/powerpoint/2010/main" val="300498945"/>
+              </p:ext>
+            </p:extLst>
+          </p:nvPr>
+        </p:nvGraphicFramePr>
+        <p:xfrm>
+          <a:off x="225912" y="707205"/>
+          <a:ext cx="8745966" cy="4153870"/>
+        </p:xfrm>
+        <a:graphic>
+          <a:graphicData uri="http://schemas.openxmlformats.org/drawingml/2006/table">
+            <a:tbl>
+              <a:tblPr firstRow="1" bandRow="1">
+                <a:tableStyleId>{5C22544A-7EE6-4342-B048-85BDC9FD1C3A}</a:tableStyleId>
+              </a:tblPr>
+              <a:tblGrid>
+                <a:gridCol w="1457661">
+                  <a:extLst>
+                    <a:ext uri="{9D8B030D-6E8A-4147-A177-3AD203B41FA5}">
+                      <a16:colId xmlns:a16="http://schemas.microsoft.com/office/drawing/2014/main" val="3903956961"/>
+                    </a:ext>
+                  </a:extLst>
+                </a:gridCol>
+                <a:gridCol w="1457661">
+                  <a:extLst>
+                    <a:ext uri="{9D8B030D-6E8A-4147-A177-3AD203B41FA5}">
+                      <a16:colId xmlns:a16="http://schemas.microsoft.com/office/drawing/2014/main" val="2654795238"/>
+                    </a:ext>
+                  </a:extLst>
+                </a:gridCol>
+                <a:gridCol w="1457661">
+                  <a:extLst>
+                    <a:ext uri="{9D8B030D-6E8A-4147-A177-3AD203B41FA5}">
+                      <a16:colId xmlns:a16="http://schemas.microsoft.com/office/drawing/2014/main" val="2687181609"/>
+                    </a:ext>
+                  </a:extLst>
+                </a:gridCol>
+                <a:gridCol w="1457661">
+                  <a:extLst>
+                    <a:ext uri="{9D8B030D-6E8A-4147-A177-3AD203B41FA5}">
+                      <a16:colId xmlns:a16="http://schemas.microsoft.com/office/drawing/2014/main" val="1420679946"/>
+                    </a:ext>
+                  </a:extLst>
+                </a:gridCol>
+                <a:gridCol w="1457661">
+                  <a:extLst>
+                    <a:ext uri="{9D8B030D-6E8A-4147-A177-3AD203B41FA5}">
+                      <a16:colId xmlns:a16="http://schemas.microsoft.com/office/drawing/2014/main" val="464071882"/>
+                    </a:ext>
+                  </a:extLst>
+                </a:gridCol>
+                <a:gridCol w="1457661">
+                  <a:extLst>
+                    <a:ext uri="{9D8B030D-6E8A-4147-A177-3AD203B41FA5}">
+                      <a16:colId xmlns:a16="http://schemas.microsoft.com/office/drawing/2014/main" val="389053918"/>
+                    </a:ext>
+                  </a:extLst>
+                </a:gridCol>
+              </a:tblGrid>
+              <a:tr h="533885">
+                <a:tc>
+                  <a:txBody>
+                    <a:bodyPr/>
+                    <a:lstStyle/>
+                    <a:p>
+                      <a:r>
+                        <a:rPr lang="en-US" sz="1050" dirty="0" smtClean="0"/>
+                        <a:t>Group / Top</a:t>
+                      </a:r>
+                      <a:endParaRPr lang="en-US" sz="1050" dirty="0"/>
+                    </a:p>
+                  </a:txBody>
+                  <a:tcPr/>
+                </a:tc>
+                <a:tc>
+                  <a:txBody>
+                    <a:bodyPr/>
+                    <a:lstStyle/>
+                    <a:p>
+                      <a:r>
+                        <a:rPr lang="en-US" sz="1050" dirty="0" smtClean="0"/>
+                        <a:t>Category skills</a:t>
+                      </a:r>
+                      <a:endParaRPr lang="en-US" sz="1050" dirty="0"/>
+                    </a:p>
+                  </a:txBody>
+                  <a:tcPr/>
+                </a:tc>
+                <a:tc>
+                  <a:txBody>
+                    <a:bodyPr/>
+                    <a:lstStyle/>
+                    <a:p>
+                      <a:r>
+                        <a:rPr lang="en-US" sz="1050" dirty="0" smtClean="0"/>
+                        <a:t>Category education</a:t>
+                      </a:r>
+                      <a:endParaRPr lang="en-US" sz="1050" dirty="0"/>
+                    </a:p>
+                  </a:txBody>
+                  <a:tcPr/>
+                </a:tc>
+                <a:tc>
+                  <a:txBody>
+                    <a:bodyPr/>
+                    <a:lstStyle/>
+                    <a:p>
+                      <a:r>
+                        <a:rPr lang="en-US" sz="1050" dirty="0" smtClean="0"/>
+                        <a:t>Degree</a:t>
+                      </a:r>
+                      <a:endParaRPr lang="en-US" sz="1050" dirty="0"/>
+                    </a:p>
+                  </a:txBody>
+                  <a:tcPr/>
+                </a:tc>
+                <a:tc>
+                  <a:txBody>
+                    <a:bodyPr/>
+                    <a:lstStyle/>
+                    <a:p>
+                      <a:endParaRPr lang="en-US" sz="1050" dirty="0"/>
+                    </a:p>
+                  </a:txBody>
+                  <a:tcPr/>
+                </a:tc>
+                <a:tc>
+                  <a:txBody>
+                    <a:bodyPr/>
+                    <a:lstStyle/>
+                    <a:p>
+                      <a:r>
+                        <a:rPr lang="en-US" sz="1050" dirty="0" smtClean="0"/>
+                        <a:t>Experience Time/ mean</a:t>
+                      </a:r>
+                      <a:endParaRPr lang="en-US" sz="1050" dirty="0"/>
+                    </a:p>
+                  </a:txBody>
+                  <a:tcPr/>
+                </a:tc>
+                <a:extLst>
+                  <a:ext uri="{0D108BD9-81ED-4DB2-BD59-A6C34878D82A}">
+                    <a16:rowId xmlns:a16="http://schemas.microsoft.com/office/drawing/2014/main" val="1966107643"/>
+                  </a:ext>
+                </a:extLst>
+              </a:tr>
+              <a:tr h="533885">
+                <a:tc>
+                  <a:txBody>
+                    <a:bodyPr/>
+                    <a:lstStyle/>
+                    <a:p>
+                      <a:r>
+                        <a:rPr lang="en-US" sz="1050" dirty="0" smtClean="0"/>
+                        <a:t>Profile</a:t>
+                      </a:r>
+                      <a:r>
+                        <a:rPr lang="en-US" sz="1050" baseline="0" dirty="0" smtClean="0"/>
+                        <a:t> 1</a:t>
+                      </a:r>
+                      <a:endParaRPr lang="en-US" sz="1050" dirty="0"/>
+                    </a:p>
+                  </a:txBody>
+                  <a:tcPr/>
+                </a:tc>
+                <a:tc>
+                  <a:txBody>
+                    <a:bodyPr/>
+                    <a:lstStyle/>
+                    <a:p>
+                      <a:r>
+                        <a:rPr lang="en-US" sz="1050" dirty="0" smtClean="0"/>
+                        <a:t>leadership</a:t>
+                      </a:r>
+                      <a:r>
+                        <a:rPr lang="en-US" sz="1050" baseline="0" dirty="0" smtClean="0"/>
+                        <a:t> &amp; management/ technical &amp; information skills</a:t>
+                      </a:r>
+                      <a:endParaRPr lang="en-US" sz="1050" dirty="0"/>
+                    </a:p>
+                  </a:txBody>
+                  <a:tcPr/>
+                </a:tc>
+                <a:tc>
+                  <a:txBody>
+                    <a:bodyPr/>
+                    <a:lstStyle/>
+                    <a:p>
+                      <a:r>
+                        <a:rPr lang="en-US" sz="1050" dirty="0" smtClean="0"/>
+                        <a:t>engineering</a:t>
+                      </a:r>
+                      <a:r>
+                        <a:rPr lang="en-US" sz="1050" baseline="0" dirty="0" smtClean="0"/>
+                        <a:t> / health science / natural science</a:t>
+                      </a:r>
+                      <a:endParaRPr lang="en-US" sz="1050" dirty="0"/>
+                    </a:p>
+                  </a:txBody>
+                  <a:tcPr/>
+                </a:tc>
+                <a:tc>
+                  <a:txBody>
+                    <a:bodyPr/>
+                    <a:lstStyle/>
+                    <a:p>
+                      <a:r>
+                        <a:rPr lang="en-US" sz="1050" dirty="0" smtClean="0"/>
+                        <a:t>Bachelor’s degree / master</a:t>
+                      </a:r>
+                      <a:endParaRPr lang="en-US" sz="1050" dirty="0"/>
+                    </a:p>
+                  </a:txBody>
+                  <a:tcPr/>
+                </a:tc>
+                <a:tc>
+                  <a:txBody>
+                    <a:bodyPr/>
+                    <a:lstStyle/>
+                    <a:p>
+                      <a:endParaRPr lang="en-US" sz="1050"/>
+                    </a:p>
+                  </a:txBody>
+                  <a:tcPr/>
+                </a:tc>
+                <a:tc>
+                  <a:txBody>
+                    <a:bodyPr/>
+                    <a:lstStyle/>
+                    <a:p>
+                      <a:r>
+                        <a:rPr lang="en-US" sz="1050" dirty="0" smtClean="0"/>
+                        <a:t>6 years</a:t>
+                      </a:r>
+                      <a:endParaRPr lang="en-US" sz="1050" dirty="0"/>
+                    </a:p>
+                  </a:txBody>
+                  <a:tcPr/>
+                </a:tc>
+                <a:extLst>
+                  <a:ext uri="{0D108BD9-81ED-4DB2-BD59-A6C34878D82A}">
+                    <a16:rowId xmlns:a16="http://schemas.microsoft.com/office/drawing/2014/main" val="758289619"/>
+                  </a:ext>
+                </a:extLst>
+              </a:tr>
+              <a:tr h="533885">
+                <a:tc>
+                  <a:txBody>
+                    <a:bodyPr/>
+                    <a:lstStyle/>
+                    <a:p>
+                      <a:r>
+                        <a:rPr lang="en-US" sz="1050" dirty="0" smtClean="0"/>
+                        <a:t>Profile 2</a:t>
+                      </a:r>
+                      <a:endParaRPr lang="en-US" sz="1050" dirty="0"/>
+                    </a:p>
+                  </a:txBody>
+                  <a:tcPr/>
+                </a:tc>
+                <a:tc>
+                  <a:txBody>
+                    <a:bodyPr/>
+                    <a:lstStyle/>
+                    <a:p>
+                      <a:pPr marL="0" marR="0" indent="0" algn="l" defTabSz="914400" rtl="0" eaLnBrk="1" fontAlgn="auto" latinLnBrk="0" hangingPunct="1">
+                        <a:lnSpc>
+                          <a:spcPct val="100000"/>
+                        </a:lnSpc>
+                        <a:spcBef>
+                          <a:spcPts val="0"/>
+                        </a:spcBef>
+                        <a:spcAft>
+                          <a:spcPts val="0"/>
+                        </a:spcAft>
+                        <a:buClr>
+                          <a:srgbClr val="000000"/>
+                        </a:buClr>
+                        <a:buSzTx/>
+                        <a:buFont typeface="Arial"/>
+                        <a:buNone/>
+                        <a:tabLst/>
+                        <a:defRPr/>
+                      </a:pPr>
+                      <a:r>
+                        <a:rPr lang="en-US" sz="1050" dirty="0" smtClean="0"/>
+                        <a:t>leadership</a:t>
+                      </a:r>
+                      <a:r>
+                        <a:rPr lang="en-US" sz="1050" baseline="0" dirty="0" smtClean="0"/>
+                        <a:t> &amp; management/ technical &amp; information skills</a:t>
+                      </a:r>
+                      <a:endParaRPr lang="en-US" sz="1050" dirty="0" smtClean="0"/>
+                    </a:p>
+                    <a:p>
+                      <a:endParaRPr lang="en-US" sz="1050" dirty="0"/>
+                    </a:p>
+                  </a:txBody>
+                  <a:tcPr/>
+                </a:tc>
+                <a:tc>
+                  <a:txBody>
+                    <a:bodyPr/>
+                    <a:lstStyle/>
+                    <a:p>
+                      <a:r>
+                        <a:rPr lang="en-US" sz="1050" dirty="0" smtClean="0"/>
+                        <a:t>Business</a:t>
+                      </a:r>
+                      <a:r>
+                        <a:rPr lang="en-US" sz="1050" baseline="0" dirty="0" smtClean="0"/>
+                        <a:t> administration</a:t>
+                      </a:r>
+                      <a:endParaRPr lang="en-US" sz="1050" dirty="0"/>
+                    </a:p>
+                  </a:txBody>
+                  <a:tcPr/>
+                </a:tc>
+                <a:tc>
+                  <a:txBody>
+                    <a:bodyPr/>
+                    <a:lstStyle/>
+                    <a:p>
+                      <a:r>
+                        <a:rPr lang="en-US" sz="1050" dirty="0" smtClean="0"/>
+                        <a:t>bachelor’s degree </a:t>
+                      </a:r>
+                      <a:endParaRPr lang="en-US" sz="1050" dirty="0"/>
+                    </a:p>
+                  </a:txBody>
+                  <a:tcPr/>
+                </a:tc>
+                <a:tc>
+                  <a:txBody>
+                    <a:bodyPr/>
+                    <a:lstStyle/>
+                    <a:p>
+                      <a:endParaRPr lang="en-US" sz="1050"/>
+                    </a:p>
+                  </a:txBody>
+                  <a:tcPr/>
+                </a:tc>
+                <a:tc>
+                  <a:txBody>
+                    <a:bodyPr/>
+                    <a:lstStyle/>
+                    <a:p>
+                      <a:r>
+                        <a:rPr lang="en-US" sz="1050" dirty="0" smtClean="0"/>
+                        <a:t>5</a:t>
+                      </a:r>
+                      <a:r>
+                        <a:rPr lang="en-US" sz="1050" baseline="0" dirty="0" smtClean="0"/>
+                        <a:t> years</a:t>
+                      </a:r>
+                      <a:endParaRPr lang="en-US" sz="1050" dirty="0"/>
+                    </a:p>
+                  </a:txBody>
+                  <a:tcPr/>
+                </a:tc>
+                <a:extLst>
+                  <a:ext uri="{0D108BD9-81ED-4DB2-BD59-A6C34878D82A}">
+                    <a16:rowId xmlns:a16="http://schemas.microsoft.com/office/drawing/2014/main" val="1876924276"/>
+                  </a:ext>
+                </a:extLst>
+              </a:tr>
+              <a:tr h="533885">
+                <a:tc>
+                  <a:txBody>
+                    <a:bodyPr/>
+                    <a:lstStyle/>
+                    <a:p>
+                      <a:r>
+                        <a:rPr lang="en-US" sz="1050" dirty="0" smtClean="0"/>
+                        <a:t>Profile 3</a:t>
+                      </a:r>
+                      <a:endParaRPr lang="en-US" sz="1050" dirty="0"/>
+                    </a:p>
+                  </a:txBody>
+                  <a:tcPr/>
+                </a:tc>
+                <a:tc>
+                  <a:txBody>
+                    <a:bodyPr/>
+                    <a:lstStyle/>
+                    <a:p>
+                      <a:pPr marL="0" marR="0" indent="0" algn="l" defTabSz="914400" rtl="0" eaLnBrk="1" fontAlgn="auto" latinLnBrk="0" hangingPunct="1">
+                        <a:lnSpc>
+                          <a:spcPct val="100000"/>
+                        </a:lnSpc>
+                        <a:spcBef>
+                          <a:spcPts val="0"/>
+                        </a:spcBef>
+                        <a:spcAft>
+                          <a:spcPts val="0"/>
+                        </a:spcAft>
+                        <a:buClr>
+                          <a:srgbClr val="000000"/>
+                        </a:buClr>
+                        <a:buSzTx/>
+                        <a:buFont typeface="Arial"/>
+                        <a:buNone/>
+                        <a:tabLst/>
+                        <a:defRPr/>
+                      </a:pPr>
+                      <a:r>
+                        <a:rPr lang="en-US" sz="1050" dirty="0" smtClean="0"/>
+                        <a:t>leadership</a:t>
+                      </a:r>
+                      <a:r>
+                        <a:rPr lang="en-US" sz="1050" baseline="0" dirty="0" smtClean="0"/>
+                        <a:t> &amp; management/ technical &amp; information skills</a:t>
+                      </a:r>
+                      <a:endParaRPr lang="en-US" sz="1050" dirty="0" smtClean="0"/>
+                    </a:p>
+                    <a:p>
+                      <a:endParaRPr lang="en-US" sz="1050" dirty="0"/>
+                    </a:p>
+                  </a:txBody>
+                  <a:tcPr/>
+                </a:tc>
+                <a:tc>
+                  <a:txBody>
+                    <a:bodyPr/>
+                    <a:lstStyle/>
+                    <a:p>
+                      <a:r>
+                        <a:rPr lang="en-US" sz="1050" dirty="0" smtClean="0"/>
+                        <a:t>Social sciences</a:t>
+                      </a:r>
+                      <a:endParaRPr lang="en-US" sz="1050" dirty="0"/>
+                    </a:p>
+                  </a:txBody>
+                  <a:tcPr/>
+                </a:tc>
+                <a:tc>
+                  <a:txBody>
+                    <a:bodyPr/>
+                    <a:lstStyle/>
+                    <a:p>
+                      <a:r>
+                        <a:rPr lang="en-US" sz="1050" dirty="0" smtClean="0"/>
+                        <a:t>Bachelor’s degree / master</a:t>
+                      </a:r>
+                      <a:endParaRPr lang="en-US" sz="1050" dirty="0"/>
+                    </a:p>
+                  </a:txBody>
+                  <a:tcPr/>
+                </a:tc>
+                <a:tc>
+                  <a:txBody>
+                    <a:bodyPr/>
+                    <a:lstStyle/>
+                    <a:p>
+                      <a:endParaRPr lang="en-US" sz="1050"/>
+                    </a:p>
+                  </a:txBody>
+                  <a:tcPr/>
+                </a:tc>
+                <a:tc>
+                  <a:txBody>
+                    <a:bodyPr/>
+                    <a:lstStyle/>
+                    <a:p>
+                      <a:r>
+                        <a:rPr lang="en-US" sz="1050" dirty="0" smtClean="0"/>
+                        <a:t>6 years</a:t>
+                      </a:r>
+                      <a:endParaRPr lang="en-US" sz="1050" dirty="0"/>
+                    </a:p>
+                  </a:txBody>
+                  <a:tcPr/>
+                </a:tc>
+                <a:extLst>
+                  <a:ext uri="{0D108BD9-81ED-4DB2-BD59-A6C34878D82A}">
+                    <a16:rowId xmlns:a16="http://schemas.microsoft.com/office/drawing/2014/main" val="772719589"/>
+                  </a:ext>
+                </a:extLst>
+              </a:tr>
+              <a:tr h="533885">
+                <a:tc>
+                  <a:txBody>
+                    <a:bodyPr/>
+                    <a:lstStyle/>
+                    <a:p>
+                      <a:r>
+                        <a:rPr lang="en-US" sz="1050" dirty="0" smtClean="0"/>
+                        <a:t>Profile 4</a:t>
+                      </a:r>
+                      <a:endParaRPr lang="en-US" sz="1050" dirty="0"/>
+                    </a:p>
+                  </a:txBody>
+                  <a:tcPr/>
+                </a:tc>
+                <a:tc>
+                  <a:txBody>
+                    <a:bodyPr/>
+                    <a:lstStyle/>
+                    <a:p>
+                      <a:r>
+                        <a:rPr lang="en-US" sz="1050" baseline="0" dirty="0" smtClean="0"/>
+                        <a:t>technical &amp; information skills</a:t>
+                      </a:r>
+                      <a:endParaRPr lang="en-US" sz="1050" dirty="0"/>
+                    </a:p>
+                  </a:txBody>
+                  <a:tcPr/>
+                </a:tc>
+                <a:tc>
+                  <a:txBody>
+                    <a:bodyPr/>
+                    <a:lstStyle/>
+                    <a:p>
+                      <a:r>
+                        <a:rPr lang="en-US" sz="1050" dirty="0" smtClean="0"/>
+                        <a:t>Technology</a:t>
+                      </a:r>
+                      <a:endParaRPr lang="en-US" sz="1050" dirty="0"/>
+                    </a:p>
+                  </a:txBody>
+                  <a:tcPr/>
+                </a:tc>
+                <a:tc>
+                  <a:txBody>
+                    <a:bodyPr/>
+                    <a:lstStyle/>
+                    <a:p>
+                      <a:pPr marL="0" marR="0" indent="0" algn="l" defTabSz="914400" rtl="0" eaLnBrk="1" fontAlgn="auto" latinLnBrk="0" hangingPunct="1">
+                        <a:lnSpc>
+                          <a:spcPct val="100000"/>
+                        </a:lnSpc>
+                        <a:spcBef>
+                          <a:spcPts val="0"/>
+                        </a:spcBef>
+                        <a:spcAft>
+                          <a:spcPts val="0"/>
+                        </a:spcAft>
+                        <a:buClr>
+                          <a:srgbClr val="000000"/>
+                        </a:buClr>
+                        <a:buSzTx/>
+                        <a:buFont typeface="Arial"/>
+                        <a:buNone/>
+                        <a:tabLst/>
+                        <a:defRPr/>
+                      </a:pPr>
+                      <a:r>
+                        <a:rPr lang="en-US" sz="1050" dirty="0" smtClean="0"/>
+                        <a:t>Bachelor’s degree / master</a:t>
+                      </a:r>
+                    </a:p>
+                    <a:p>
+                      <a:endParaRPr lang="en-US" sz="1050" dirty="0"/>
+                    </a:p>
+                  </a:txBody>
+                  <a:tcPr/>
+                </a:tc>
+                <a:tc>
+                  <a:txBody>
+                    <a:bodyPr/>
+                    <a:lstStyle/>
+                    <a:p>
+                      <a:endParaRPr lang="en-US" sz="1050"/>
+                    </a:p>
+                  </a:txBody>
+                  <a:tcPr/>
+                </a:tc>
+                <a:tc>
+                  <a:txBody>
+                    <a:bodyPr/>
+                    <a:lstStyle/>
+                    <a:p>
+                      <a:r>
+                        <a:rPr lang="en-US" sz="1050" dirty="0" smtClean="0"/>
+                        <a:t>6 years </a:t>
+                      </a:r>
+                      <a:endParaRPr lang="en-US" sz="1050" dirty="0"/>
+                    </a:p>
+                  </a:txBody>
+                  <a:tcPr/>
+                </a:tc>
+                <a:extLst>
+                  <a:ext uri="{0D108BD9-81ED-4DB2-BD59-A6C34878D82A}">
+                    <a16:rowId xmlns:a16="http://schemas.microsoft.com/office/drawing/2014/main" val="1495964208"/>
+                  </a:ext>
+                </a:extLst>
+              </a:tr>
+              <a:tr h="533885">
+                <a:tc>
+                  <a:txBody>
+                    <a:bodyPr/>
+                    <a:lstStyle/>
+                    <a:p>
+                      <a:r>
+                        <a:rPr lang="en-US" sz="1050" dirty="0" smtClean="0"/>
+                        <a:t>Profile 5</a:t>
+                      </a:r>
+                      <a:endParaRPr lang="en-US" sz="1050" dirty="0"/>
+                    </a:p>
+                  </a:txBody>
+                  <a:tcPr/>
+                </a:tc>
+                <a:tc>
+                  <a:txBody>
+                    <a:bodyPr/>
+                    <a:lstStyle/>
+                    <a:p>
+                      <a:r>
+                        <a:rPr lang="en-US" sz="1050" dirty="0" smtClean="0"/>
+                        <a:t>None</a:t>
+                      </a:r>
+                      <a:endParaRPr lang="en-US" sz="1050" dirty="0"/>
+                    </a:p>
+                  </a:txBody>
+                  <a:tcPr/>
+                </a:tc>
+                <a:tc>
+                  <a:txBody>
+                    <a:bodyPr/>
+                    <a:lstStyle/>
+                    <a:p>
+                      <a:r>
+                        <a:rPr lang="en-US" sz="1050" dirty="0" smtClean="0"/>
+                        <a:t>Other</a:t>
+                      </a:r>
+                      <a:endParaRPr lang="en-US" sz="1050" dirty="0"/>
+                    </a:p>
+                  </a:txBody>
+                  <a:tcPr/>
+                </a:tc>
+                <a:tc>
+                  <a:txBody>
+                    <a:bodyPr/>
+                    <a:lstStyle/>
+                    <a:p>
+                      <a:pPr marL="0" marR="0" indent="0" algn="l" defTabSz="914400" rtl="0" eaLnBrk="1" fontAlgn="auto" latinLnBrk="0" hangingPunct="1">
+                        <a:lnSpc>
+                          <a:spcPct val="100000"/>
+                        </a:lnSpc>
+                        <a:spcBef>
+                          <a:spcPts val="0"/>
+                        </a:spcBef>
+                        <a:spcAft>
+                          <a:spcPts val="0"/>
+                        </a:spcAft>
+                        <a:buClr>
+                          <a:srgbClr val="000000"/>
+                        </a:buClr>
+                        <a:buSzTx/>
+                        <a:buFont typeface="Arial"/>
+                        <a:buNone/>
+                        <a:tabLst/>
+                        <a:defRPr/>
+                      </a:pPr>
+                      <a:r>
+                        <a:rPr lang="en-US" sz="1050" dirty="0" smtClean="0"/>
+                        <a:t>Bachelor’s degree / master</a:t>
+                      </a:r>
+                      <a:endParaRPr lang="en-US" sz="1050" dirty="0" smtClean="0"/>
+                    </a:p>
+                  </a:txBody>
+                  <a:tcPr/>
+                </a:tc>
+                <a:tc>
+                  <a:txBody>
+                    <a:bodyPr/>
+                    <a:lstStyle/>
+                    <a:p>
+                      <a:endParaRPr lang="en-US" sz="1050" dirty="0"/>
+                    </a:p>
+                  </a:txBody>
+                  <a:tcPr/>
+                </a:tc>
+                <a:tc>
+                  <a:txBody>
+                    <a:bodyPr/>
+                    <a:lstStyle/>
+                    <a:p>
+                      <a:r>
+                        <a:rPr lang="en-US" sz="1050" dirty="0" smtClean="0"/>
+                        <a:t>6 years</a:t>
+                      </a:r>
+                      <a:endParaRPr lang="en-US" sz="1050" dirty="0"/>
+                    </a:p>
+                  </a:txBody>
+                  <a:tcPr/>
+                </a:tc>
+                <a:extLst>
+                  <a:ext uri="{0D108BD9-81ED-4DB2-BD59-A6C34878D82A}">
+                    <a16:rowId xmlns:a16="http://schemas.microsoft.com/office/drawing/2014/main" val="3064693288"/>
+                  </a:ext>
+                </a:extLst>
+              </a:tr>
+            </a:tbl>
+          </a:graphicData>
+        </a:graphic>
+      </p:graphicFrame>
     </p:spTree>
     <p:extLst>
       <p:ext uri="{BB962C8B-B14F-4D97-AF65-F5344CB8AC3E}">
@@ -11301,7 +12881,7 @@
 </p:sld>
 </file>
 
-<file path=ppt/slides/slide24.xml><?xml version="1.0" encoding="utf-8"?>
+<file path=ppt/slides/slide29.xml><?xml version="1.0" encoding="utf-8"?>
 <p:sld xmlns:a="http://schemas.openxmlformats.org/drawingml/2006/main" xmlns:r="http://schemas.openxmlformats.org/officeDocument/2006/relationships" xmlns:p="http://schemas.openxmlformats.org/presentationml/2006/main">
   <p:cSld>
     <p:spTree>
@@ -11398,168 +12978,22 @@
               <a:rPr lang="en-US" sz="1600" dirty="0" smtClean="0"/>
               <a:t> </a:t>
             </a:r>
+            <a:r>
+              <a:rPr lang="en-US" sz="1600" dirty="0" smtClean="0"/>
+              <a:t>The goal of the project is to provide some insights about the type of skills, of background and the opportunities you can have base on them.</a:t>
+            </a:r>
+          </a:p>
+          <a:p>
+            <a:pPr marL="0" lvl="0" indent="0" algn="l" rtl="0">
+              <a:spcBef>
+                <a:spcPts val="0"/>
+              </a:spcBef>
+              <a:spcAft>
+                <a:spcPts val="0"/>
+              </a:spcAft>
+              <a:buNone/>
+            </a:pPr>
             <a:endParaRPr sz="1600" dirty="0"/>
-          </a:p>
-        </p:txBody>
-      </p:sp>
-    </p:spTree>
-  </p:cSld>
-  <p:clrMapOvr>
-    <a:masterClrMapping/>
-  </p:clrMapOvr>
-</p:sld>
-</file>
-
-<file path=ppt/slides/slide25.xml><?xml version="1.0" encoding="utf-8"?>
-<p:sld xmlns:a="http://schemas.openxmlformats.org/drawingml/2006/main" xmlns:r="http://schemas.openxmlformats.org/officeDocument/2006/relationships" xmlns:p="http://schemas.openxmlformats.org/presentationml/2006/main">
-  <p:cSld>
-    <p:spTree>
-      <p:nvGrpSpPr>
-        <p:cNvPr id="1" name="Shape 136"/>
-        <p:cNvGrpSpPr/>
-        <p:nvPr/>
-      </p:nvGrpSpPr>
-      <p:grpSpPr>
-        <a:xfrm>
-          <a:off x="0" y="0"/>
-          <a:ext cx="0" cy="0"/>
-          <a:chOff x="0" y="0"/>
-          <a:chExt cx="0" cy="0"/>
-        </a:xfrm>
-      </p:grpSpPr>
-      <p:sp>
-        <p:nvSpPr>
-          <p:cNvPr id="137" name="Google Shape;137;p19"/>
-          <p:cNvSpPr txBox="1">
-            <a:spLocks noGrp="1"/>
-          </p:cNvSpPr>
-          <p:nvPr>
-            <p:ph type="title"/>
-          </p:nvPr>
-        </p:nvSpPr>
-        <p:spPr>
-          <a:xfrm>
-            <a:off x="729450" y="785250"/>
-            <a:ext cx="7688700" cy="535200"/>
-          </a:xfrm>
-          <a:prstGeom prst="rect">
-            <a:avLst/>
-          </a:prstGeom>
-        </p:spPr>
-        <p:txBody>
-          <a:bodyPr spcFirstLastPara="1" wrap="square" lIns="91425" tIns="91425" rIns="91425" bIns="91425" anchor="t" anchorCtr="0">
-            <a:noAutofit/>
-          </a:bodyPr>
-          <a:lstStyle/>
-          <a:p>
-            <a:pPr marL="0" lvl="0" indent="0" algn="l" rtl="0">
-              <a:spcBef>
-                <a:spcPts val="0"/>
-              </a:spcBef>
-              <a:spcAft>
-                <a:spcPts val="0"/>
-              </a:spcAft>
-              <a:buNone/>
-            </a:pPr>
-            <a:r>
-              <a:rPr lang="en"/>
-              <a:t>References &amp; Appendices</a:t>
-            </a:r>
-            <a:endParaRPr/>
-          </a:p>
-        </p:txBody>
-      </p:sp>
-      <p:sp>
-        <p:nvSpPr>
-          <p:cNvPr id="138" name="Google Shape;138;p19"/>
-          <p:cNvSpPr txBox="1">
-            <a:spLocks noGrp="1"/>
-          </p:cNvSpPr>
-          <p:nvPr>
-            <p:ph type="body" idx="1"/>
-          </p:nvPr>
-        </p:nvSpPr>
-        <p:spPr>
-          <a:xfrm>
-            <a:off x="729450" y="1545475"/>
-            <a:ext cx="7688700" cy="2261100"/>
-          </a:xfrm>
-          <a:prstGeom prst="rect">
-            <a:avLst/>
-          </a:prstGeom>
-        </p:spPr>
-        <p:txBody>
-          <a:bodyPr spcFirstLastPara="1" wrap="square" lIns="91425" tIns="91425" rIns="91425" bIns="91425" anchor="t" anchorCtr="0">
-            <a:noAutofit/>
-          </a:bodyPr>
-          <a:lstStyle/>
-          <a:p>
-            <a:pPr marL="0" lvl="0" indent="0">
-              <a:spcBef>
-                <a:spcPts val="1600"/>
-              </a:spcBef>
-              <a:buNone/>
-            </a:pPr>
-            <a:endParaRPr lang="en-US" sz="1600" dirty="0">
-              <a:solidFill>
-                <a:srgbClr val="000000"/>
-              </a:solidFill>
-            </a:endParaRPr>
-          </a:p>
-          <a:p>
-            <a:pPr marL="0" lvl="0" indent="0">
-              <a:spcBef>
-                <a:spcPts val="1600"/>
-              </a:spcBef>
-              <a:buNone/>
-            </a:pPr>
-            <a:endParaRPr lang="en-US" sz="1600" dirty="0" smtClean="0">
-              <a:solidFill>
-                <a:srgbClr val="000000"/>
-              </a:solidFill>
-            </a:endParaRPr>
-          </a:p>
-          <a:p>
-            <a:pPr marL="0" lvl="0" indent="0">
-              <a:spcBef>
-                <a:spcPts val="1600"/>
-              </a:spcBef>
-              <a:buNone/>
-            </a:pPr>
-            <a:endParaRPr lang="en-US" sz="1600" dirty="0">
-              <a:solidFill>
-                <a:srgbClr val="000000"/>
-              </a:solidFill>
-            </a:endParaRPr>
-          </a:p>
-          <a:p>
-            <a:pPr marL="0" lvl="0" indent="0">
-              <a:spcBef>
-                <a:spcPts val="1600"/>
-              </a:spcBef>
-              <a:buNone/>
-            </a:pPr>
-            <a:r>
-              <a:rPr lang="en-US" sz="1600" dirty="0" smtClean="0">
-                <a:solidFill>
-                  <a:srgbClr val="000000"/>
-                </a:solidFill>
-              </a:rPr>
-              <a:t>By: Jean Franco </a:t>
-            </a:r>
-            <a:r>
-              <a:rPr lang="en-US" sz="1600" dirty="0" err="1" smtClean="0">
-                <a:solidFill>
-                  <a:srgbClr val="000000"/>
-                </a:solidFill>
-              </a:rPr>
-              <a:t>Chosson</a:t>
-            </a:r>
-            <a:endParaRPr sz="1600" dirty="0">
-              <a:solidFill>
-                <a:srgbClr val="000000"/>
-              </a:solidFill>
-            </a:endParaRPr>
           </a:p>
         </p:txBody>
       </p:sp>
@@ -11735,6 +13169,181 @@
         <p14:creationId xmlns:p14="http://schemas.microsoft.com/office/powerpoint/2010/main" val="1414495406"/>
       </p:ext>
     </p:extLst>
+  </p:cSld>
+  <p:clrMapOvr>
+    <a:masterClrMapping/>
+  </p:clrMapOvr>
+</p:sld>
+</file>
+
+<file path=ppt/slides/slide30.xml><?xml version="1.0" encoding="utf-8"?>
+<p:sld xmlns:a="http://schemas.openxmlformats.org/drawingml/2006/main" xmlns:r="http://schemas.openxmlformats.org/officeDocument/2006/relationships" xmlns:p="http://schemas.openxmlformats.org/presentationml/2006/main">
+  <p:cSld>
+    <p:spTree>
+      <p:nvGrpSpPr>
+        <p:cNvPr id="1" name="Shape 136"/>
+        <p:cNvGrpSpPr/>
+        <p:nvPr/>
+      </p:nvGrpSpPr>
+      <p:grpSpPr>
+        <a:xfrm>
+          <a:off x="0" y="0"/>
+          <a:ext cx="0" cy="0"/>
+          <a:chOff x="0" y="0"/>
+          <a:chExt cx="0" cy="0"/>
+        </a:xfrm>
+      </p:grpSpPr>
+      <p:sp>
+        <p:nvSpPr>
+          <p:cNvPr id="137" name="Google Shape;137;p19"/>
+          <p:cNvSpPr txBox="1">
+            <a:spLocks noGrp="1"/>
+          </p:cNvSpPr>
+          <p:nvPr>
+            <p:ph type="title"/>
+          </p:nvPr>
+        </p:nvSpPr>
+        <p:spPr>
+          <a:xfrm>
+            <a:off x="729450" y="785250"/>
+            <a:ext cx="7688700" cy="535200"/>
+          </a:xfrm>
+          <a:prstGeom prst="rect">
+            <a:avLst/>
+          </a:prstGeom>
+        </p:spPr>
+        <p:txBody>
+          <a:bodyPr spcFirstLastPara="1" wrap="square" lIns="91425" tIns="91425" rIns="91425" bIns="91425" anchor="t" anchorCtr="0">
+            <a:noAutofit/>
+          </a:bodyPr>
+          <a:lstStyle/>
+          <a:p>
+            <a:pPr marL="0" lvl="0" indent="0" algn="l" rtl="0">
+              <a:spcBef>
+                <a:spcPts val="0"/>
+              </a:spcBef>
+              <a:spcAft>
+                <a:spcPts val="0"/>
+              </a:spcAft>
+              <a:buNone/>
+            </a:pPr>
+            <a:r>
+              <a:rPr lang="en"/>
+              <a:t>References &amp; Appendices</a:t>
+            </a:r>
+            <a:endParaRPr/>
+          </a:p>
+        </p:txBody>
+      </p:sp>
+      <p:sp>
+        <p:nvSpPr>
+          <p:cNvPr id="138" name="Google Shape;138;p19"/>
+          <p:cNvSpPr txBox="1">
+            <a:spLocks noGrp="1"/>
+          </p:cNvSpPr>
+          <p:nvPr>
+            <p:ph type="body" idx="1"/>
+          </p:nvPr>
+        </p:nvSpPr>
+        <p:spPr>
+          <a:xfrm>
+            <a:off x="729450" y="1545475"/>
+            <a:ext cx="7688700" cy="2261100"/>
+          </a:xfrm>
+          <a:prstGeom prst="rect">
+            <a:avLst/>
+          </a:prstGeom>
+        </p:spPr>
+        <p:txBody>
+          <a:bodyPr spcFirstLastPara="1" wrap="square" lIns="91425" tIns="91425" rIns="91425" bIns="91425" anchor="t" anchorCtr="0">
+            <a:noAutofit/>
+          </a:bodyPr>
+          <a:lstStyle/>
+          <a:p>
+            <a:pPr marL="0" lvl="0" indent="0">
+              <a:spcBef>
+                <a:spcPts val="1600"/>
+              </a:spcBef>
+              <a:buNone/>
+            </a:pPr>
+            <a:r>
+              <a:rPr lang="en-US" sz="1600" dirty="0" smtClean="0">
+                <a:solidFill>
+                  <a:srgbClr val="000000"/>
+                </a:solidFill>
+              </a:rPr>
+              <a:t>Link: </a:t>
+            </a:r>
+            <a:r>
+              <a:rPr lang="en-US" sz="1600" dirty="0">
+                <a:hlinkClick r:id="rId3"/>
+              </a:rPr>
+              <a:t>https://github.com/JeanFrancoChosson/Ayiti_analytics_capstone_project</a:t>
+            </a:r>
+            <a:endParaRPr lang="en-US" sz="1600" dirty="0">
+              <a:solidFill>
+                <a:srgbClr val="000000"/>
+              </a:solidFill>
+            </a:endParaRPr>
+          </a:p>
+          <a:p>
+            <a:pPr marL="0" lvl="0" indent="0">
+              <a:spcBef>
+                <a:spcPts val="1600"/>
+              </a:spcBef>
+              <a:buNone/>
+            </a:pPr>
+            <a:endParaRPr lang="en-US" sz="1600" dirty="0" smtClean="0">
+              <a:solidFill>
+                <a:srgbClr val="000000"/>
+              </a:solidFill>
+            </a:endParaRPr>
+          </a:p>
+          <a:p>
+            <a:pPr marL="0" lvl="0" indent="0">
+              <a:spcBef>
+                <a:spcPts val="1600"/>
+              </a:spcBef>
+              <a:buNone/>
+            </a:pPr>
+            <a:endParaRPr lang="en-US" sz="1600" dirty="0">
+              <a:solidFill>
+                <a:srgbClr val="000000"/>
+              </a:solidFill>
+            </a:endParaRPr>
+          </a:p>
+          <a:p>
+            <a:pPr marL="0" lvl="0" indent="0">
+              <a:spcBef>
+                <a:spcPts val="1600"/>
+              </a:spcBef>
+              <a:buNone/>
+            </a:pPr>
+            <a:r>
+              <a:rPr lang="en-US" sz="1600" dirty="0" smtClean="0">
+                <a:solidFill>
+                  <a:srgbClr val="000000"/>
+                </a:solidFill>
+              </a:rPr>
+              <a:t>By: Jean Franco </a:t>
+            </a:r>
+            <a:r>
+              <a:rPr lang="en-US" sz="1600" dirty="0" err="1" smtClean="0">
+                <a:solidFill>
+                  <a:srgbClr val="000000"/>
+                </a:solidFill>
+              </a:rPr>
+              <a:t>Chosson</a:t>
+            </a:r>
+            <a:endParaRPr sz="1600" dirty="0">
+              <a:solidFill>
+                <a:srgbClr val="000000"/>
+              </a:solidFill>
+            </a:endParaRPr>
+          </a:p>
+        </p:txBody>
+      </p:sp>
+    </p:spTree>
   </p:cSld>
   <p:clrMapOvr>
     <a:masterClrMapping/>
@@ -12426,8 +14035,8 @@
         </p:nvSpPr>
         <p:spPr>
           <a:xfrm>
-            <a:off x="607530" y="1271155"/>
-            <a:ext cx="3082343" cy="3472967"/>
+            <a:off x="607530" y="1731981"/>
+            <a:ext cx="3082343" cy="3012141"/>
           </a:xfrm>
         </p:spPr>
         <p:txBody>
@@ -12439,7 +14048,11 @@
             </a:pPr>
             <a:r>
               <a:rPr lang="en-US" sz="1400" b="1" dirty="0" smtClean="0"/>
-              <a:t>Profile 1:</a:t>
+              <a:t>Group Profile </a:t>
+            </a:r>
+            <a:r>
+              <a:rPr lang="en-US" sz="1400" b="1" dirty="0" smtClean="0"/>
+              <a:t>1:</a:t>
             </a:r>
           </a:p>
           <a:p>
@@ -12448,8 +14061,41 @@
             </a:pPr>
             <a:r>
               <a:rPr lang="en-US" sz="1400" b="1" dirty="0" smtClean="0"/>
-              <a:t>There are 16 profiles for Technology , 14 for Engineering.</a:t>
-            </a:r>
+              <a:t>There are </a:t>
+            </a:r>
+            <a:r>
+              <a:rPr lang="en-US" sz="1400" b="1" dirty="0" smtClean="0"/>
+              <a:t>57</a:t>
+            </a:r>
+            <a:r>
+              <a:rPr lang="en-US" sz="1400" b="1" dirty="0" smtClean="0"/>
+              <a:t> </a:t>
+            </a:r>
+            <a:r>
+              <a:rPr lang="en-US" sz="1400" b="1" dirty="0" smtClean="0"/>
+              <a:t>profiles for Technology </a:t>
+            </a:r>
+            <a:r>
+              <a:rPr lang="en-US" sz="1400" b="1" dirty="0" smtClean="0"/>
+              <a:t>, 44 for natural sciences, </a:t>
+            </a:r>
+            <a:r>
+              <a:rPr lang="en-US" sz="1400" b="1" dirty="0" smtClean="0"/>
+              <a:t>31</a:t>
+            </a:r>
+            <a:r>
+              <a:rPr lang="en-US" sz="1400" b="1" dirty="0" smtClean="0"/>
+              <a:t> </a:t>
+            </a:r>
+            <a:r>
+              <a:rPr lang="en-US" sz="1400" b="1" dirty="0" smtClean="0"/>
+              <a:t>for </a:t>
+            </a:r>
+            <a:r>
+              <a:rPr lang="en-US" sz="1400" b="1" dirty="0" smtClean="0"/>
+              <a:t>health science.</a:t>
+            </a:r>
+            <a:endParaRPr lang="en-US" sz="1400" b="1" dirty="0" smtClean="0"/>
           </a:p>
           <a:p>
             <a:pPr marL="146050" indent="0">
@@ -12457,7 +14103,15 @@
             </a:pPr>
             <a:r>
               <a:rPr lang="en-US" sz="1400" b="1" dirty="0" smtClean="0"/>
-              <a:t>22 profile are from Other that haven’t been able to categorize</a:t>
+              <a:t>2 </a:t>
+            </a:r>
+            <a:r>
+              <a:rPr lang="en-US" sz="1400" b="1" dirty="0" smtClean="0"/>
+              <a:t>profile are from </a:t>
+            </a:r>
+            <a:r>
+              <a:rPr lang="en-US" sz="1400" b="1" dirty="0" smtClean="0"/>
+              <a:t>art.</a:t>
             </a:r>
             <a:endParaRPr lang="en-US" sz="1400" b="1" dirty="0"/>
           </a:p>
@@ -12465,7 +14119,7 @@
       </p:sp>
       <p:pic>
         <p:nvPicPr>
-          <p:cNvPr id="7" name="Picture 6"/>
+          <p:cNvPr id="6" name="Picture 5"/>
           <p:cNvPicPr>
             <a:picLocks noChangeAspect="1"/>
           </p:cNvPicPr>
@@ -12485,8 +14139,8 @@
         </p:blipFill>
         <p:spPr>
           <a:xfrm>
-            <a:off x="3475804" y="785250"/>
-            <a:ext cx="5668196" cy="3864387"/>
+            <a:off x="3811793" y="966789"/>
+            <a:ext cx="4839803" cy="2807340"/>
           </a:xfrm>
           <a:prstGeom prst="rect">
             <a:avLst/>
@@ -12558,8 +14212,8 @@
         </p:nvSpPr>
         <p:spPr>
           <a:xfrm>
-            <a:off x="607531" y="1271155"/>
-            <a:ext cx="1759152" cy="3472967"/>
+            <a:off x="607531" y="1796527"/>
+            <a:ext cx="1759152" cy="2947595"/>
           </a:xfrm>
         </p:spPr>
         <p:txBody>
@@ -12571,7 +14225,11 @@
             </a:pPr>
             <a:r>
               <a:rPr lang="en-US" sz="1400" b="1" dirty="0" smtClean="0"/>
-              <a:t>Profile 1:</a:t>
+              <a:t>Group Profile </a:t>
+            </a:r>
+            <a:r>
+              <a:rPr lang="en-US" sz="1400" b="1" dirty="0" smtClean="0"/>
+              <a:t>1:</a:t>
             </a:r>
           </a:p>
           <a:p>
@@ -12580,14 +14238,28 @@
             </a:pPr>
             <a:r>
               <a:rPr lang="en-US" sz="1400" b="1" dirty="0" smtClean="0"/>
-              <a:t>The repartition of the field of study</a:t>
-            </a:r>
+              <a:t>The repartition of the field of </a:t>
+            </a:r>
+            <a:r>
+              <a:rPr lang="en-US" sz="1400" b="1" dirty="0" smtClean="0"/>
+              <a:t>study,</a:t>
+            </a:r>
+          </a:p>
+          <a:p>
+            <a:pPr marL="146050" indent="0">
+              <a:buNone/>
+            </a:pPr>
+            <a:r>
+              <a:rPr lang="en-US" sz="1400" b="1" dirty="0" smtClean="0"/>
+              <a:t>42.5% for engineering, 32.8% for natural sciences, 23.1% for health science and 1.5% for art.</a:t>
+            </a:r>
+            <a:endParaRPr lang="en-US" sz="1400" b="1" dirty="0" smtClean="0"/>
           </a:p>
         </p:txBody>
       </p:sp>
       <p:pic>
         <p:nvPicPr>
-          <p:cNvPr id="4" name="Picture 3"/>
+          <p:cNvPr id="6" name="Picture 5"/>
           <p:cNvPicPr>
             <a:picLocks noChangeAspect="1"/>
           </p:cNvPicPr>
@@ -12607,8 +14279,8 @@
         </p:blipFill>
         <p:spPr>
           <a:xfrm>
-            <a:off x="2472833" y="1052850"/>
-            <a:ext cx="6671167" cy="3664847"/>
+            <a:off x="2663292" y="1052850"/>
+            <a:ext cx="6356219" cy="3664847"/>
           </a:xfrm>
           <a:prstGeom prst="rect">
             <a:avLst/>
@@ -12680,8 +14352,8 @@
         </p:nvSpPr>
         <p:spPr>
           <a:xfrm>
-            <a:off x="729450" y="1398494"/>
-            <a:ext cx="3445086" cy="3322481"/>
+            <a:off x="105507" y="1807285"/>
+            <a:ext cx="2530117" cy="2983294"/>
           </a:xfrm>
         </p:spPr>
         <p:txBody>
@@ -12693,7 +14365,15 @@
             </a:pPr>
             <a:r>
               <a:rPr lang="en-US" dirty="0" smtClean="0"/>
-              <a:t>For the </a:t>
+              <a:t>For </a:t>
+            </a:r>
+            <a:r>
+              <a:rPr lang="en-US" dirty="0" smtClean="0"/>
+              <a:t>group</a:t>
+            </a:r>
+            <a:r>
+              <a:rPr lang="en-US" dirty="0" smtClean="0"/>
+              <a:t> </a:t>
             </a:r>
             <a:r>
               <a:rPr lang="en-US" b="1" dirty="0" smtClean="0"/>
@@ -12701,19 +14381,15 @@
             </a:r>
             <a:r>
               <a:rPr lang="en-US" dirty="0" smtClean="0"/>
-              <a:t> we can see  that most of the profiles have a certificate or minor diplomas granted 42 profiles, and 34 profiles for other </a:t>
-            </a:r>
-            <a:r>
-              <a:rPr lang="en-US" dirty="0" err="1" smtClean="0"/>
-              <a:t>ie</a:t>
-            </a:r>
-            <a:r>
-              <a:rPr lang="en-US" dirty="0"/>
-              <a:t> </a:t>
+              <a:t> we can see  that </a:t>
             </a:r>
             <a:r>
               <a:rPr lang="en-US" dirty="0" smtClean="0"/>
-              <a:t>(unknown or high school). We notice there are 4 profiles that have a Ph.D.</a:t>
+              <a:t>44.8% of degrees are Bachelor, 29.1%  master, 10.4%  certificate &amp; Minor Diplomas and 3% are Ph.D</a:t>
+            </a:r>
+            <a:r>
+              <a:rPr lang="en-US" dirty="0" smtClean="0"/>
+              <a:t>.</a:t>
             </a:r>
             <a:endParaRPr lang="en-US" dirty="0"/>
           </a:p>
@@ -12721,7 +14397,7 @@
       </p:sp>
       <p:pic>
         <p:nvPicPr>
-          <p:cNvPr id="5" name="Picture 4"/>
+          <p:cNvPr id="4" name="Picture 3"/>
           <p:cNvPicPr>
             <a:picLocks noChangeAspect="1"/>
           </p:cNvPicPr>
@@ -12741,8 +14417,8 @@
         </p:blipFill>
         <p:spPr>
           <a:xfrm>
-            <a:off x="4174536" y="0"/>
-            <a:ext cx="4839803" cy="3493296"/>
+            <a:off x="2772453" y="1390054"/>
+            <a:ext cx="6245475" cy="3330921"/>
           </a:xfrm>
           <a:prstGeom prst="rect">
             <a:avLst/>
